--- a/Class 04- Neural Networks and Linear Regression.pptx
+++ b/Class 04- Neural Networks and Linear Regression.pptx
@@ -1,28 +1,32 @@
 
 <file path=ppt/presentation.xml><?xml version="1.0" encoding="utf-8"?>
-<p:presentation xmlns:a="http://schemas.openxmlformats.org/drawingml/2006/main" xmlns:r="http://schemas.openxmlformats.org/officeDocument/2006/relationships" xmlns:p="http://schemas.openxmlformats.org/presentationml/2006/main" saveSubsetFonts="1">
+<p:presentation xmlns:a="http://schemas.openxmlformats.org/drawingml/2006/main" xmlns:r="http://schemas.openxmlformats.org/officeDocument/2006/relationships" xmlns:p="http://schemas.openxmlformats.org/presentationml/2006/main" showSpecialPlsOnTitleSld="0" saveSubsetFonts="1">
   <p:sldMasterIdLst>
     <p:sldMasterId id="2147483702" r:id="rId1"/>
   </p:sldMasterIdLst>
+  <p:notesMasterIdLst>
+    <p:notesMasterId r:id="rId21"/>
+  </p:notesMasterIdLst>
   <p:sldIdLst>
     <p:sldId id="256" r:id="rId2"/>
-    <p:sldId id="275" r:id="rId3"/>
-    <p:sldId id="265" r:id="rId4"/>
-    <p:sldId id="277" r:id="rId5"/>
-    <p:sldId id="285" r:id="rId6"/>
-    <p:sldId id="286" r:id="rId7"/>
-    <p:sldId id="287" r:id="rId8"/>
-    <p:sldId id="288" r:id="rId9"/>
-    <p:sldId id="289" r:id="rId10"/>
-    <p:sldId id="290" r:id="rId11"/>
-    <p:sldId id="291" r:id="rId12"/>
-    <p:sldId id="292" r:id="rId13"/>
-    <p:sldId id="293" r:id="rId14"/>
-    <p:sldId id="294" r:id="rId15"/>
-    <p:sldId id="295" r:id="rId16"/>
+    <p:sldId id="265" r:id="rId3"/>
+    <p:sldId id="277" r:id="rId4"/>
+    <p:sldId id="285" r:id="rId5"/>
+    <p:sldId id="286" r:id="rId6"/>
+    <p:sldId id="287" r:id="rId7"/>
+    <p:sldId id="288" r:id="rId8"/>
+    <p:sldId id="289" r:id="rId9"/>
+    <p:sldId id="290" r:id="rId10"/>
+    <p:sldId id="291" r:id="rId11"/>
+    <p:sldId id="292" r:id="rId12"/>
+    <p:sldId id="293" r:id="rId13"/>
+    <p:sldId id="294" r:id="rId14"/>
+    <p:sldId id="295" r:id="rId15"/>
+    <p:sldId id="298" r:id="rId16"/>
     <p:sldId id="296" r:id="rId17"/>
     <p:sldId id="297" r:id="rId18"/>
-    <p:sldId id="273" r:id="rId19"/>
+    <p:sldId id="299" r:id="rId19"/>
+    <p:sldId id="273" r:id="rId20"/>
   </p:sldIdLst>
   <p:sldSz cx="12192000" cy="6858000"/>
   <p:notesSz cx="6858000" cy="9144000"/>
@@ -129,6 +133,355 @@
 </p:presentation>
 </file>
 
+<file path=ppt/notesMasters/notesMaster1.xml><?xml version="1.0" encoding="utf-8"?>
+<p:notesMaster xmlns:a="http://schemas.openxmlformats.org/drawingml/2006/main" xmlns:r="http://schemas.openxmlformats.org/officeDocument/2006/relationships" xmlns:p="http://schemas.openxmlformats.org/presentationml/2006/main">
+  <p:cSld>
+    <p:bg>
+      <p:bgRef idx="1001">
+        <a:schemeClr val="bg1"/>
+      </p:bgRef>
+    </p:bg>
+    <p:spTree>
+      <p:nvGrpSpPr>
+        <p:cNvPr id="1" name=""/>
+        <p:cNvGrpSpPr/>
+        <p:nvPr/>
+      </p:nvGrpSpPr>
+      <p:grpSpPr>
+        <a:xfrm>
+          <a:off x="0" y="0"/>
+          <a:ext cx="0" cy="0"/>
+          <a:chOff x="0" y="0"/>
+          <a:chExt cx="0" cy="0"/>
+        </a:xfrm>
+      </p:grpSpPr>
+      <p:sp>
+        <p:nvSpPr>
+          <p:cNvPr id="2" name="Header Placeholder 1"/>
+          <p:cNvSpPr>
+            <a:spLocks noGrp="1"/>
+          </p:cNvSpPr>
+          <p:nvPr>
+            <p:ph type="hdr" sz="quarter"/>
+          </p:nvPr>
+        </p:nvSpPr>
+        <p:spPr>
+          <a:xfrm>
+            <a:off x="0" y="0"/>
+            <a:ext cx="2971800" cy="458788"/>
+          </a:xfrm>
+          <a:prstGeom prst="rect">
+            <a:avLst/>
+          </a:prstGeom>
+        </p:spPr>
+        <p:txBody>
+          <a:bodyPr vert="horz" lIns="91440" tIns="45720" rIns="91440" bIns="45720" rtlCol="0"/>
+          <a:lstStyle>
+            <a:lvl1pPr algn="l">
+              <a:defRPr sz="1200"/>
+            </a:lvl1pPr>
+          </a:lstStyle>
+          <a:p>
+            <a:endParaRPr lang="en-US"/>
+          </a:p>
+        </p:txBody>
+      </p:sp>
+      <p:sp>
+        <p:nvSpPr>
+          <p:cNvPr id="3" name="Date Placeholder 2"/>
+          <p:cNvSpPr>
+            <a:spLocks noGrp="1"/>
+          </p:cNvSpPr>
+          <p:nvPr>
+            <p:ph type="dt" idx="1"/>
+          </p:nvPr>
+        </p:nvSpPr>
+        <p:spPr>
+          <a:xfrm>
+            <a:off x="3884613" y="0"/>
+            <a:ext cx="2971800" cy="458788"/>
+          </a:xfrm>
+          <a:prstGeom prst="rect">
+            <a:avLst/>
+          </a:prstGeom>
+        </p:spPr>
+        <p:txBody>
+          <a:bodyPr vert="horz" lIns="91440" tIns="45720" rIns="91440" bIns="45720" rtlCol="0"/>
+          <a:lstStyle>
+            <a:lvl1pPr algn="r">
+              <a:defRPr sz="1200"/>
+            </a:lvl1pPr>
+          </a:lstStyle>
+          <a:p>
+            <a:fld id="{DE4AB576-3C4B-4818-8AA4-97FC8EE79D0A}" type="datetimeFigureOut">
+              <a:rPr lang="en-US" smtClean="0"/>
+              <a:t>2/9/2023</a:t>
+            </a:fld>
+            <a:endParaRPr lang="en-US"/>
+          </a:p>
+        </p:txBody>
+      </p:sp>
+      <p:sp>
+        <p:nvSpPr>
+          <p:cNvPr id="4" name="Slide Image Placeholder 3"/>
+          <p:cNvSpPr>
+            <a:spLocks noGrp="1" noRot="1" noChangeAspect="1"/>
+          </p:cNvSpPr>
+          <p:nvPr>
+            <p:ph type="sldImg" idx="2"/>
+          </p:nvPr>
+        </p:nvSpPr>
+        <p:spPr>
+          <a:xfrm>
+            <a:off x="685800" y="1143000"/>
+            <a:ext cx="5486400" cy="3086100"/>
+          </a:xfrm>
+          <a:prstGeom prst="rect">
+            <a:avLst/>
+          </a:prstGeom>
+          <a:noFill/>
+          <a:ln w="12700">
+            <a:solidFill>
+              <a:prstClr val="black"/>
+            </a:solidFill>
+          </a:ln>
+        </p:spPr>
+        <p:txBody>
+          <a:bodyPr vert="horz" lIns="91440" tIns="45720" rIns="91440" bIns="45720" rtlCol="0" anchor="ctr"/>
+          <a:lstStyle/>
+          <a:p>
+            <a:endParaRPr lang="en-US"/>
+          </a:p>
+        </p:txBody>
+      </p:sp>
+      <p:sp>
+        <p:nvSpPr>
+          <p:cNvPr id="5" name="Notes Placeholder 4"/>
+          <p:cNvSpPr>
+            <a:spLocks noGrp="1"/>
+          </p:cNvSpPr>
+          <p:nvPr>
+            <p:ph type="body" sz="quarter" idx="3"/>
+          </p:nvPr>
+        </p:nvSpPr>
+        <p:spPr>
+          <a:xfrm>
+            <a:off x="685800" y="4400550"/>
+            <a:ext cx="5486400" cy="3600450"/>
+          </a:xfrm>
+          <a:prstGeom prst="rect">
+            <a:avLst/>
+          </a:prstGeom>
+        </p:spPr>
+        <p:txBody>
+          <a:bodyPr vert="horz" lIns="91440" tIns="45720" rIns="91440" bIns="45720" rtlCol="0"/>
+          <a:lstStyle/>
+          <a:p>
+            <a:pPr lvl="0"/>
+            <a:r>
+              <a:rPr lang="en-US"/>
+              <a:t>Edit Master text styles</a:t>
+            </a:r>
+          </a:p>
+          <a:p>
+            <a:pPr lvl="1"/>
+            <a:r>
+              <a:rPr lang="en-US"/>
+              <a:t>Second level</a:t>
+            </a:r>
+          </a:p>
+          <a:p>
+            <a:pPr lvl="2"/>
+            <a:r>
+              <a:rPr lang="en-US"/>
+              <a:t>Third level</a:t>
+            </a:r>
+          </a:p>
+          <a:p>
+            <a:pPr lvl="3"/>
+            <a:r>
+              <a:rPr lang="en-US"/>
+              <a:t>Fourth level</a:t>
+            </a:r>
+          </a:p>
+          <a:p>
+            <a:pPr lvl="4"/>
+            <a:r>
+              <a:rPr lang="en-US"/>
+              <a:t>Fifth level</a:t>
+            </a:r>
+          </a:p>
+        </p:txBody>
+      </p:sp>
+      <p:sp>
+        <p:nvSpPr>
+          <p:cNvPr id="6" name="Footer Placeholder 5"/>
+          <p:cNvSpPr>
+            <a:spLocks noGrp="1"/>
+          </p:cNvSpPr>
+          <p:nvPr>
+            <p:ph type="ftr" sz="quarter" idx="4"/>
+          </p:nvPr>
+        </p:nvSpPr>
+        <p:spPr>
+          <a:xfrm>
+            <a:off x="0" y="8685213"/>
+            <a:ext cx="2971800" cy="458787"/>
+          </a:xfrm>
+          <a:prstGeom prst="rect">
+            <a:avLst/>
+          </a:prstGeom>
+        </p:spPr>
+        <p:txBody>
+          <a:bodyPr vert="horz" lIns="91440" tIns="45720" rIns="91440" bIns="45720" rtlCol="0" anchor="b"/>
+          <a:lstStyle>
+            <a:lvl1pPr algn="l">
+              <a:defRPr sz="1200"/>
+            </a:lvl1pPr>
+          </a:lstStyle>
+          <a:p>
+            <a:endParaRPr lang="en-US"/>
+          </a:p>
+        </p:txBody>
+      </p:sp>
+      <p:sp>
+        <p:nvSpPr>
+          <p:cNvPr id="7" name="Slide Number Placeholder 6"/>
+          <p:cNvSpPr>
+            <a:spLocks noGrp="1"/>
+          </p:cNvSpPr>
+          <p:nvPr>
+            <p:ph type="sldNum" sz="quarter" idx="5"/>
+          </p:nvPr>
+        </p:nvSpPr>
+        <p:spPr>
+          <a:xfrm>
+            <a:off x="3884613" y="8685213"/>
+            <a:ext cx="2971800" cy="458787"/>
+          </a:xfrm>
+          <a:prstGeom prst="rect">
+            <a:avLst/>
+          </a:prstGeom>
+        </p:spPr>
+        <p:txBody>
+          <a:bodyPr vert="horz" lIns="91440" tIns="45720" rIns="91440" bIns="45720" rtlCol="0" anchor="b"/>
+          <a:lstStyle>
+            <a:lvl1pPr algn="r">
+              <a:defRPr sz="1200"/>
+            </a:lvl1pPr>
+          </a:lstStyle>
+          <a:p>
+            <a:fld id="{810C2151-2C99-4E8D-ABD0-08087D34A4C8}" type="slidenum">
+              <a:rPr lang="en-US" smtClean="0"/>
+              <a:t>‹#›</a:t>
+            </a:fld>
+            <a:endParaRPr lang="en-US"/>
+          </a:p>
+        </p:txBody>
+      </p:sp>
+    </p:spTree>
+    <p:extLst>
+      <p:ext uri="{BB962C8B-B14F-4D97-AF65-F5344CB8AC3E}">
+        <p14:creationId xmlns:p14="http://schemas.microsoft.com/office/powerpoint/2010/main" val="4057079359"/>
+      </p:ext>
+    </p:extLst>
+  </p:cSld>
+  <p:clrMap bg1="lt1" tx1="dk1" bg2="lt2" tx2="dk2" accent1="accent1" accent2="accent2" accent3="accent3" accent4="accent4" accent5="accent5" accent6="accent6" hlink="hlink" folHlink="folHlink"/>
+  <p:notesStyle>
+    <a:lvl1pPr marL="0" algn="l" defTabSz="914400" rtl="0" eaLnBrk="1" latinLnBrk="0" hangingPunct="1">
+      <a:defRPr sz="1200" kern="1200">
+        <a:solidFill>
+          <a:schemeClr val="tx1"/>
+        </a:solidFill>
+        <a:latin typeface="+mn-lt"/>
+        <a:ea typeface="+mn-ea"/>
+        <a:cs typeface="+mn-cs"/>
+      </a:defRPr>
+    </a:lvl1pPr>
+    <a:lvl2pPr marL="457200" algn="l" defTabSz="914400" rtl="0" eaLnBrk="1" latinLnBrk="0" hangingPunct="1">
+      <a:defRPr sz="1200" kern="1200">
+        <a:solidFill>
+          <a:schemeClr val="tx1"/>
+        </a:solidFill>
+        <a:latin typeface="+mn-lt"/>
+        <a:ea typeface="+mn-ea"/>
+        <a:cs typeface="+mn-cs"/>
+      </a:defRPr>
+    </a:lvl2pPr>
+    <a:lvl3pPr marL="914400" algn="l" defTabSz="914400" rtl="0" eaLnBrk="1" latinLnBrk="0" hangingPunct="1">
+      <a:defRPr sz="1200" kern="1200">
+        <a:solidFill>
+          <a:schemeClr val="tx1"/>
+        </a:solidFill>
+        <a:latin typeface="+mn-lt"/>
+        <a:ea typeface="+mn-ea"/>
+        <a:cs typeface="+mn-cs"/>
+      </a:defRPr>
+    </a:lvl3pPr>
+    <a:lvl4pPr marL="1371600" algn="l" defTabSz="914400" rtl="0" eaLnBrk="1" latinLnBrk="0" hangingPunct="1">
+      <a:defRPr sz="1200" kern="1200">
+        <a:solidFill>
+          <a:schemeClr val="tx1"/>
+        </a:solidFill>
+        <a:latin typeface="+mn-lt"/>
+        <a:ea typeface="+mn-ea"/>
+        <a:cs typeface="+mn-cs"/>
+      </a:defRPr>
+    </a:lvl4pPr>
+    <a:lvl5pPr marL="1828800" algn="l" defTabSz="914400" rtl="0" eaLnBrk="1" latinLnBrk="0" hangingPunct="1">
+      <a:defRPr sz="1200" kern="1200">
+        <a:solidFill>
+          <a:schemeClr val="tx1"/>
+        </a:solidFill>
+        <a:latin typeface="+mn-lt"/>
+        <a:ea typeface="+mn-ea"/>
+        <a:cs typeface="+mn-cs"/>
+      </a:defRPr>
+    </a:lvl5pPr>
+    <a:lvl6pPr marL="2286000" algn="l" defTabSz="914400" rtl="0" eaLnBrk="1" latinLnBrk="0" hangingPunct="1">
+      <a:defRPr sz="1200" kern="1200">
+        <a:solidFill>
+          <a:schemeClr val="tx1"/>
+        </a:solidFill>
+        <a:latin typeface="+mn-lt"/>
+        <a:ea typeface="+mn-ea"/>
+        <a:cs typeface="+mn-cs"/>
+      </a:defRPr>
+    </a:lvl6pPr>
+    <a:lvl7pPr marL="2743200" algn="l" defTabSz="914400" rtl="0" eaLnBrk="1" latinLnBrk="0" hangingPunct="1">
+      <a:defRPr sz="1200" kern="1200">
+        <a:solidFill>
+          <a:schemeClr val="tx1"/>
+        </a:solidFill>
+        <a:latin typeface="+mn-lt"/>
+        <a:ea typeface="+mn-ea"/>
+        <a:cs typeface="+mn-cs"/>
+      </a:defRPr>
+    </a:lvl7pPr>
+    <a:lvl8pPr marL="3200400" algn="l" defTabSz="914400" rtl="0" eaLnBrk="1" latinLnBrk="0" hangingPunct="1">
+      <a:defRPr sz="1200" kern="1200">
+        <a:solidFill>
+          <a:schemeClr val="tx1"/>
+        </a:solidFill>
+        <a:latin typeface="+mn-lt"/>
+        <a:ea typeface="+mn-ea"/>
+        <a:cs typeface="+mn-cs"/>
+      </a:defRPr>
+    </a:lvl8pPr>
+    <a:lvl9pPr marL="3657600" algn="l" defTabSz="914400" rtl="0" eaLnBrk="1" latinLnBrk="0" hangingPunct="1">
+      <a:defRPr sz="1200" kern="1200">
+        <a:solidFill>
+          <a:schemeClr val="tx1"/>
+        </a:solidFill>
+        <a:latin typeface="+mn-lt"/>
+        <a:ea typeface="+mn-ea"/>
+        <a:cs typeface="+mn-cs"/>
+      </a:defRPr>
+    </a:lvl9pPr>
+  </p:notesStyle>
+</p:notesMaster>
+</file>
+
 <file path=ppt/slideLayouts/slideLayout1.xml><?xml version="1.0" encoding="utf-8"?>
 <p:sldLayout xmlns:a="http://schemas.openxmlformats.org/drawingml/2006/main" xmlns:r="http://schemas.openxmlformats.org/officeDocument/2006/relationships" xmlns:p="http://schemas.openxmlformats.org/presentationml/2006/main" type="title" preserve="1">
   <p:cSld name="Title Slide">
@@ -313,9 +666,9 @@
           <a:bodyPr/>
           <a:lstStyle/>
           <a:p>
-            <a:fld id="{0DAF61AA-5A98-4049-A93E-477E5505141A}" type="datetimeFigureOut">
+            <a:fld id="{D49EE5AC-2EF0-4555-AC29-47A2893F2442}" type="datetime1">
               <a:rPr lang="en-US" smtClean="0"/>
-              <a:t>2/8/2023</a:t>
+              <a:t>2/9/2023</a:t>
             </a:fld>
             <a:endParaRPr lang="en-US" dirty="0"/>
           </a:p>
@@ -336,7 +689,10 @@
           <a:bodyPr/>
           <a:lstStyle/>
           <a:p>
-            <a:endParaRPr lang="en-US"/>
+            <a:r>
+              <a:rPr lang="en-US"/>
+              <a:t>CSC485B SUNY Plattsburgh</a:t>
+            </a:r>
           </a:p>
         </p:txBody>
       </p:sp>
@@ -588,10 +944,9 @@
           <a:bodyPr/>
           <a:lstStyle/>
           <a:p>
-            <a:fld id="{0DAF61AA-5A98-4049-A93E-477E5505141A}" type="datetimeFigureOut">
+            <a:fld id="{C3235BDE-DE48-4906-A290-73767EB595FE}" type="datetime1">
               <a:rPr lang="en-US" smtClean="0"/>
-              <a:pPr/>
-              <a:t>2/8/2023</a:t>
+              <a:t>2/9/2023</a:t>
             </a:fld>
             <a:endParaRPr lang="en-US" dirty="0"/>
           </a:p>
@@ -612,7 +967,10 @@
           <a:bodyPr/>
           <a:lstStyle/>
           <a:p>
-            <a:endParaRPr lang="en-US"/>
+            <a:r>
+              <a:rPr lang="en-US"/>
+              <a:t>CSC485B SUNY Plattsburgh</a:t>
+            </a:r>
           </a:p>
         </p:txBody>
       </p:sp>
@@ -784,10 +1142,9 @@
           <a:bodyPr/>
           <a:lstStyle/>
           <a:p>
-            <a:fld id="{0DAF61AA-5A98-4049-A93E-477E5505141A}" type="datetimeFigureOut">
+            <a:fld id="{53DDA031-0AD7-4E0E-8DAC-B4E366270BDF}" type="datetime1">
               <a:rPr lang="en-US" smtClean="0"/>
-              <a:pPr/>
-              <a:t>2/8/2023</a:t>
+              <a:t>2/9/2023</a:t>
             </a:fld>
             <a:endParaRPr lang="en-US" dirty="0"/>
           </a:p>
@@ -808,7 +1165,10 @@
           <a:bodyPr/>
           <a:lstStyle/>
           <a:p>
-            <a:endParaRPr lang="en-US"/>
+            <a:r>
+              <a:rPr lang="en-US"/>
+              <a:t>CSC485B SUNY Plattsburgh</a:t>
+            </a:r>
           </a:p>
         </p:txBody>
       </p:sp>
@@ -1059,10 +1419,9 @@
           <a:bodyPr/>
           <a:lstStyle/>
           <a:p>
-            <a:fld id="{0DAF61AA-5A98-4049-A93E-477E5505141A}" type="datetimeFigureOut">
+            <a:fld id="{91725A6C-98EC-4972-ABD3-E88CE4254514}" type="datetime1">
               <a:rPr lang="en-US" smtClean="0"/>
-              <a:pPr/>
-              <a:t>2/8/2023</a:t>
+              <a:t>2/9/2023</a:t>
             </a:fld>
             <a:endParaRPr lang="en-US" dirty="0"/>
           </a:p>
@@ -1083,7 +1442,10 @@
           <a:bodyPr/>
           <a:lstStyle/>
           <a:p>
-            <a:endParaRPr lang="en-US"/>
+            <a:r>
+              <a:rPr lang="en-US"/>
+              <a:t>CSC485B SUNY Plattsburgh</a:t>
+            </a:r>
           </a:p>
         </p:txBody>
       </p:sp>
@@ -1402,10 +1764,9 @@
           <a:bodyPr/>
           <a:lstStyle/>
           <a:p>
-            <a:fld id="{0DAF61AA-5A98-4049-A93E-477E5505141A}" type="datetimeFigureOut">
+            <a:fld id="{6B97AE15-5221-4298-9948-566BB2D48149}" type="datetime1">
               <a:rPr lang="en-US" smtClean="0"/>
-              <a:pPr/>
-              <a:t>2/8/2023</a:t>
+              <a:t>2/9/2023</a:t>
             </a:fld>
             <a:endParaRPr lang="en-US" dirty="0"/>
           </a:p>
@@ -1426,7 +1787,10 @@
           <a:bodyPr/>
           <a:lstStyle/>
           <a:p>
-            <a:endParaRPr lang="en-US"/>
+            <a:r>
+              <a:rPr lang="en-US"/>
+              <a:t>CSC485B SUNY Plattsburgh</a:t>
+            </a:r>
           </a:p>
         </p:txBody>
       </p:sp>
@@ -2027,10 +2391,9 @@
           <a:bodyPr/>
           <a:lstStyle/>
           <a:p>
-            <a:fld id="{0DAF61AA-5A98-4049-A93E-477E5505141A}" type="datetimeFigureOut">
+            <a:fld id="{262C9770-2E7A-4609-9D17-0DE2CA2222F0}" type="datetime1">
               <a:rPr lang="en-US" smtClean="0"/>
-              <a:pPr/>
-              <a:t>2/8/2023</a:t>
+              <a:t>2/9/2023</a:t>
             </a:fld>
             <a:endParaRPr lang="en-US" dirty="0"/>
           </a:p>
@@ -2051,7 +2414,10 @@
           <a:bodyPr/>
           <a:lstStyle/>
           <a:p>
-            <a:endParaRPr lang="en-US"/>
+            <a:r>
+              <a:rPr lang="en-US"/>
+              <a:t>CSC485B SUNY Plattsburgh</a:t>
+            </a:r>
           </a:p>
         </p:txBody>
       </p:sp>
@@ -2889,10 +3255,9 @@
           <a:bodyPr/>
           <a:lstStyle/>
           <a:p>
-            <a:fld id="{0DAF61AA-5A98-4049-A93E-477E5505141A}" type="datetimeFigureOut">
+            <a:fld id="{65BF0C3E-D960-4900-878F-474AA93797F1}" type="datetime1">
               <a:rPr lang="en-US" smtClean="0"/>
-              <a:pPr/>
-              <a:t>2/8/2023</a:t>
+              <a:t>2/9/2023</a:t>
             </a:fld>
             <a:endParaRPr lang="en-US" dirty="0"/>
           </a:p>
@@ -2913,7 +3278,10 @@
           <a:bodyPr/>
           <a:lstStyle/>
           <a:p>
-            <a:endParaRPr lang="en-US"/>
+            <a:r>
+              <a:rPr lang="en-US"/>
+              <a:t>CSC485B SUNY Plattsburgh</a:t>
+            </a:r>
           </a:p>
         </p:txBody>
       </p:sp>
@@ -3061,9 +3429,9 @@
           <a:bodyPr/>
           <a:lstStyle/>
           <a:p>
-            <a:fld id="{0DAF61AA-5A98-4049-A93E-477E5505141A}" type="datetimeFigureOut">
+            <a:fld id="{242EF861-E744-4B47-B227-A05186251D55}" type="datetime1">
               <a:rPr lang="en-US" smtClean="0"/>
-              <a:t>2/8/2023</a:t>
+              <a:t>2/9/2023</a:t>
             </a:fld>
             <a:endParaRPr lang="en-US"/>
           </a:p>
@@ -3084,7 +3452,10 @@
           <a:bodyPr/>
           <a:lstStyle/>
           <a:p>
-            <a:endParaRPr lang="en-US"/>
+            <a:r>
+              <a:rPr lang="en-US"/>
+              <a:t>CSC485B SUNY Plattsburgh</a:t>
+            </a:r>
           </a:p>
         </p:txBody>
       </p:sp>
@@ -3241,9 +3612,9 @@
           <a:bodyPr/>
           <a:lstStyle/>
           <a:p>
-            <a:fld id="{0DAF61AA-5A98-4049-A93E-477E5505141A}" type="datetimeFigureOut">
+            <a:fld id="{D032A572-63D4-4A4F-8F99-D7530B5F3559}" type="datetime1">
               <a:rPr lang="en-US" smtClean="0"/>
-              <a:t>2/8/2023</a:t>
+              <a:t>2/9/2023</a:t>
             </a:fld>
             <a:endParaRPr lang="en-US"/>
           </a:p>
@@ -3264,7 +3635,10 @@
           <a:bodyPr/>
           <a:lstStyle/>
           <a:p>
-            <a:endParaRPr lang="en-US"/>
+            <a:r>
+              <a:rPr lang="en-US"/>
+              <a:t>CSC485B SUNY Plattsburgh</a:t>
+            </a:r>
           </a:p>
         </p:txBody>
       </p:sp>
@@ -3406,14 +3780,19 @@
             <p:ph type="dt" sz="half" idx="10"/>
           </p:nvPr>
         </p:nvSpPr>
-        <p:spPr/>
-        <p:txBody>
-          <a:bodyPr/>
-          <a:lstStyle/>
-          <a:p>
-            <a:fld id="{0DAF61AA-5A98-4049-A93E-477E5505141A}" type="datetimeFigureOut">
+        <p:spPr>
+          <a:xfrm>
+            <a:off x="4041080" y="6474158"/>
+            <a:ext cx="990599" cy="304799"/>
+          </a:xfrm>
+        </p:spPr>
+        <p:txBody>
+          <a:bodyPr/>
+          <a:lstStyle/>
+          <a:p>
+            <a:fld id="{D511BB68-1BD3-45B2-9A3D-478090D99416}" type="datetime1">
               <a:rPr lang="en-US" smtClean="0"/>
-              <a:t>2/8/2023</a:t>
+              <a:t>2/9/2023</a:t>
             </a:fld>
             <a:endParaRPr lang="en-US"/>
           </a:p>
@@ -3429,12 +3808,20 @@
             <p:ph type="ftr" sz="quarter" idx="11"/>
           </p:nvPr>
         </p:nvSpPr>
-        <p:spPr/>
-        <p:txBody>
-          <a:bodyPr/>
-          <a:lstStyle/>
-          <a:p>
-            <a:endParaRPr lang="en-US"/>
+        <p:spPr>
+          <a:xfrm>
+            <a:off x="181285" y="6474156"/>
+            <a:ext cx="3859795" cy="304801"/>
+          </a:xfrm>
+        </p:spPr>
+        <p:txBody>
+          <a:bodyPr/>
+          <a:lstStyle/>
+          <a:p>
+            <a:r>
+              <a:rPr lang="en-US"/>
+              <a:t>CSC485B SUNY Plattsburgh</a:t>
+            </a:r>
           </a:p>
         </p:txBody>
       </p:sp>
@@ -3448,7 +3835,12 @@
             <p:ph type="sldNum" sz="quarter" idx="12"/>
           </p:nvPr>
         </p:nvSpPr>
-        <p:spPr/>
+        <p:spPr>
+          <a:xfrm>
+            <a:off x="10940937" y="6090313"/>
+            <a:ext cx="838199" cy="767687"/>
+          </a:xfrm>
+        </p:spPr>
         <p:txBody>
           <a:bodyPr/>
           <a:lstStyle/>
@@ -3457,7 +3849,7 @@
               <a:rPr lang="en-US" smtClean="0"/>
               <a:t>‹#›</a:t>
             </a:fld>
-            <a:endParaRPr lang="en-US"/>
+            <a:endParaRPr lang="en-US" dirty="0"/>
           </a:p>
         </p:txBody>
       </p:sp>
@@ -3658,9 +4050,9 @@
           <a:bodyPr/>
           <a:lstStyle/>
           <a:p>
-            <a:fld id="{0DAF61AA-5A98-4049-A93E-477E5505141A}" type="datetimeFigureOut">
+            <a:fld id="{7A80DF8A-D383-472C-B676-89071ECC6FAA}" type="datetime1">
               <a:rPr lang="en-US" smtClean="0"/>
-              <a:t>2/8/2023</a:t>
+              <a:t>2/9/2023</a:t>
             </a:fld>
             <a:endParaRPr lang="en-US"/>
           </a:p>
@@ -3681,7 +4073,10 @@
           <a:bodyPr/>
           <a:lstStyle/>
           <a:p>
-            <a:endParaRPr lang="en-US"/>
+            <a:r>
+              <a:rPr lang="en-US"/>
+              <a:t>CSC485B SUNY Plattsburgh</a:t>
+            </a:r>
           </a:p>
         </p:txBody>
       </p:sp>
@@ -3950,9 +4345,9 @@
           <a:bodyPr/>
           <a:lstStyle/>
           <a:p>
-            <a:fld id="{0DAF61AA-5A98-4049-A93E-477E5505141A}" type="datetimeFigureOut">
+            <a:fld id="{331B28B9-AEC3-4AC7-A96B-C228F223C3DC}" type="datetime1">
               <a:rPr lang="en-US" smtClean="0"/>
-              <a:t>2/8/2023</a:t>
+              <a:t>2/9/2023</a:t>
             </a:fld>
             <a:endParaRPr lang="en-US"/>
           </a:p>
@@ -3973,7 +4368,10 @@
           <a:bodyPr/>
           <a:lstStyle/>
           <a:p>
-            <a:endParaRPr lang="en-US"/>
+            <a:r>
+              <a:rPr lang="en-US"/>
+              <a:t>CSC485B SUNY Plattsburgh</a:t>
+            </a:r>
           </a:p>
         </p:txBody>
       </p:sp>
@@ -4394,9 +4792,9 @@
           <a:bodyPr/>
           <a:lstStyle/>
           <a:p>
-            <a:fld id="{0DAF61AA-5A98-4049-A93E-477E5505141A}" type="datetimeFigureOut">
+            <a:fld id="{BD7F7386-AC50-4779-8BA0-C21410DCA21C}" type="datetime1">
               <a:rPr lang="en-US" smtClean="0"/>
-              <a:t>2/8/2023</a:t>
+              <a:t>2/9/2023</a:t>
             </a:fld>
             <a:endParaRPr lang="en-US"/>
           </a:p>
@@ -4417,7 +4815,10 @@
           <a:bodyPr/>
           <a:lstStyle/>
           <a:p>
-            <a:endParaRPr lang="en-US"/>
+            <a:r>
+              <a:rPr lang="en-US"/>
+              <a:t>CSC485B SUNY Plattsburgh</a:t>
+            </a:r>
           </a:p>
         </p:txBody>
       </p:sp>
@@ -4512,9 +4913,9 @@
           <a:bodyPr/>
           <a:lstStyle/>
           <a:p>
-            <a:fld id="{0DAF61AA-5A98-4049-A93E-477E5505141A}" type="datetimeFigureOut">
+            <a:fld id="{4645A086-C693-4256-BFC6-38BDA3DB83BD}" type="datetime1">
               <a:rPr lang="en-US" smtClean="0"/>
-              <a:t>2/8/2023</a:t>
+              <a:t>2/9/2023</a:t>
             </a:fld>
             <a:endParaRPr lang="en-US"/>
           </a:p>
@@ -4535,7 +4936,10 @@
           <a:bodyPr/>
           <a:lstStyle/>
           <a:p>
-            <a:endParaRPr lang="en-US"/>
+            <a:r>
+              <a:rPr lang="en-US"/>
+              <a:t>CSC485B SUNY Plattsburgh</a:t>
+            </a:r>
           </a:p>
         </p:txBody>
       </p:sp>
@@ -4607,9 +5011,9 @@
           <a:bodyPr/>
           <a:lstStyle/>
           <a:p>
-            <a:fld id="{0DAF61AA-5A98-4049-A93E-477E5505141A}" type="datetimeFigureOut">
+            <a:fld id="{823B7851-F9AA-480F-A5A7-8232F5DE193F}" type="datetime1">
               <a:rPr lang="en-US" smtClean="0"/>
-              <a:t>2/8/2023</a:t>
+              <a:t>2/9/2023</a:t>
             </a:fld>
             <a:endParaRPr lang="en-US"/>
           </a:p>
@@ -4630,7 +5034,10 @@
           <a:bodyPr/>
           <a:lstStyle/>
           <a:p>
-            <a:endParaRPr lang="en-US"/>
+            <a:r>
+              <a:rPr lang="en-US"/>
+              <a:t>CSC485B SUNY Plattsburgh</a:t>
+            </a:r>
           </a:p>
         </p:txBody>
       </p:sp>
@@ -4886,9 +5293,9 @@
           <a:bodyPr/>
           <a:lstStyle/>
           <a:p>
-            <a:fld id="{0DAF61AA-5A98-4049-A93E-477E5505141A}" type="datetimeFigureOut">
+            <a:fld id="{3FAD8C48-62C8-4EFC-BD62-1ED68DE99A58}" type="datetime1">
               <a:rPr lang="en-US" smtClean="0"/>
-              <a:t>2/8/2023</a:t>
+              <a:t>2/9/2023</a:t>
             </a:fld>
             <a:endParaRPr lang="en-US"/>
           </a:p>
@@ -4909,7 +5316,10 @@
           <a:bodyPr/>
           <a:lstStyle/>
           <a:p>
-            <a:endParaRPr lang="en-US"/>
+            <a:r>
+              <a:rPr lang="en-US"/>
+              <a:t>CSC485B SUNY Plattsburgh</a:t>
+            </a:r>
           </a:p>
         </p:txBody>
       </p:sp>
@@ -5161,9 +5571,9 @@
           <a:bodyPr/>
           <a:lstStyle/>
           <a:p>
-            <a:fld id="{0DAF61AA-5A98-4049-A93E-477E5505141A}" type="datetimeFigureOut">
+            <a:fld id="{213BCA98-C4A1-4DE7-801D-EC8534383335}" type="datetime1">
               <a:rPr lang="en-US" smtClean="0"/>
-              <a:t>2/8/2023</a:t>
+              <a:t>2/9/2023</a:t>
             </a:fld>
             <a:endParaRPr lang="en-US"/>
           </a:p>
@@ -5184,7 +5594,10 @@
           <a:bodyPr/>
           <a:lstStyle/>
           <a:p>
-            <a:endParaRPr lang="en-US"/>
+            <a:r>
+              <a:rPr lang="en-US"/>
+              <a:t>CSC485B SUNY Plattsburgh</a:t>
+            </a:r>
           </a:p>
         </p:txBody>
       </p:sp>
@@ -5590,10 +6003,9 @@
             </a:lvl1pPr>
           </a:lstStyle>
           <a:p>
-            <a:fld id="{0DAF61AA-5A98-4049-A93E-477E5505141A}" type="datetimeFigureOut">
+            <a:fld id="{576D4746-9BA7-4B4B-B721-0CBECA23DD9F}" type="datetime1">
               <a:rPr lang="en-US" smtClean="0"/>
-              <a:pPr/>
-              <a:t>2/8/2023</a:t>
+              <a:t>2/9/2023</a:t>
             </a:fld>
             <a:endParaRPr lang="en-US" dirty="0"/>
           </a:p>
@@ -5633,7 +6045,10 @@
             </a:lvl1pPr>
           </a:lstStyle>
           <a:p>
-            <a:endParaRPr lang="en-US"/>
+            <a:r>
+              <a:rPr lang="en-US"/>
+              <a:t>CSC485B SUNY Plattsburgh</a:t>
+            </a:r>
           </a:p>
         </p:txBody>
       </p:sp>
@@ -5706,6 +6121,7 @@
     <p:sldLayoutId id="2147483718" r:id="rId16"/>
     <p:sldLayoutId id="2147483719" r:id="rId17"/>
   </p:sldLayoutIdLst>
+  <p:hf hdr="0" dt="0"/>
   <p:txStyles>
     <p:titleStyle>
       <a:lvl1pPr algn="l" defTabSz="457200" rtl="0" eaLnBrk="1" latinLnBrk="0" hangingPunct="1">
@@ -6390,7 +6806,7 @@
           <p:cNvPr id="2" name="Title 1">
             <a:extLst>
               <a:ext uri="{FF2B5EF4-FFF2-40B4-BE49-F238E27FC236}">
-                <a16:creationId xmlns:a16="http://schemas.microsoft.com/office/drawing/2014/main" id="{4BE93179-8740-4F47-B5B9-3B87144A4E1F}"/>
+                <a16:creationId xmlns:a16="http://schemas.microsoft.com/office/drawing/2014/main" id="{98525DED-DA78-4049-A037-571C0E6E0650}"/>
               </a:ext>
             </a:extLst>
           </p:cNvPr>
@@ -6408,7 +6824,7 @@
           <a:p>
             <a:r>
               <a:rPr lang="en-US" dirty="0"/>
-              <a:t>How to Fix it</a:t>
+              <a:t>And there we just invented…</a:t>
             </a:r>
           </a:p>
         </p:txBody>
@@ -6418,7 +6834,7 @@
           <p:cNvPr id="3" name="Content Placeholder 2">
             <a:extLst>
               <a:ext uri="{FF2B5EF4-FFF2-40B4-BE49-F238E27FC236}">
-                <a16:creationId xmlns:a16="http://schemas.microsoft.com/office/drawing/2014/main" id="{D6ABE689-F322-4128-928E-A1079C248B43}"/>
+                <a16:creationId xmlns:a16="http://schemas.microsoft.com/office/drawing/2014/main" id="{1D6A8721-C044-48BA-B538-15BADA44CDBB}"/>
               </a:ext>
             </a:extLst>
           </p:cNvPr>
@@ -6431,40 +6847,140 @@
         </p:nvSpPr>
         <p:spPr/>
         <p:txBody>
-          <a:bodyPr/>
+          <a:bodyPr>
+            <a:normAutofit lnSpcReduction="10000"/>
+          </a:bodyPr>
           <a:lstStyle/>
           <a:p>
             <a:r>
               <a:rPr lang="en-US" dirty="0"/>
-              <a:t>INSERT DIAG 4</a:t>
-            </a:r>
+              <a:t>Neural Networks</a:t>
+            </a:r>
+          </a:p>
+          <a:p>
+            <a:r>
+              <a:rPr lang="en-US" dirty="0"/>
+              <a:t>Of course, we didn’t. Here a great historical overview</a:t>
+            </a:r>
+          </a:p>
+          <a:p>
+            <a:r>
+              <a:rPr lang="en-US" dirty="0">
+                <a:hlinkClick r:id="rId2"/>
+              </a:rPr>
+              <a:t>https://www.tutorialspoint.com/artificial_neural_network/artificial_neural_network_quick_guide.htm#</a:t>
+            </a:r>
+            <a:endParaRPr lang="en-US" dirty="0"/>
           </a:p>
           <a:p>
             <a:pPr lvl="1"/>
             <a:r>
               <a:rPr lang="en-US" dirty="0"/>
-              <a:t>Almost Works</a:t>
-            </a:r>
-          </a:p>
-          <a:p>
+              <a:t>Biological background</a:t>
+            </a:r>
+          </a:p>
+          <a:p>
+            <a:pPr lvl="1"/>
             <a:r>
               <a:rPr lang="en-US" dirty="0"/>
-              <a:t>INSERT DIAG 5</a:t>
+              <a:t>Different structures- feedforward most common</a:t>
             </a:r>
           </a:p>
           <a:p>
             <a:pPr lvl="1"/>
             <a:r>
               <a:rPr lang="en-US" dirty="0"/>
-              <a:t>More of a chance of working</a:t>
-            </a:r>
+              <a:t>Training Heuristics</a:t>
+            </a:r>
+          </a:p>
+          <a:p>
+            <a:pPr lvl="2"/>
+            <a:r>
+              <a:rPr lang="en-US" dirty="0"/>
+              <a:t>Backpropagation and infinite variations</a:t>
+            </a:r>
+          </a:p>
+          <a:p>
+            <a:pPr lvl="2"/>
+            <a:r>
+              <a:rPr lang="en-US" dirty="0"/>
+              <a:t>All of these are GUESSES and STUFF TO TRY- “heuristics”</a:t>
+            </a:r>
+          </a:p>
+          <a:p>
+            <a:pPr lvl="2"/>
+            <a:r>
+              <a:rPr lang="en-US" dirty="0"/>
+              <a:t>TONS of mathematical theory used to described how it all “might or might not” work</a:t>
+            </a:r>
+            <a:br>
+              <a:rPr lang="en-US" dirty="0"/>
+            </a:br>
+            <a:endParaRPr lang="en-US" dirty="0"/>
+          </a:p>
+        </p:txBody>
+      </p:sp>
+      <p:sp>
+        <p:nvSpPr>
+          <p:cNvPr id="4" name="Footer Placeholder 3">
+            <a:extLst>
+              <a:ext uri="{FF2B5EF4-FFF2-40B4-BE49-F238E27FC236}">
+                <a16:creationId xmlns:a16="http://schemas.microsoft.com/office/drawing/2014/main" id="{37257691-7E51-41AF-BAC1-CED4296A0036}"/>
+              </a:ext>
+            </a:extLst>
+          </p:cNvPr>
+          <p:cNvSpPr>
+            <a:spLocks noGrp="1"/>
+          </p:cNvSpPr>
+          <p:nvPr>
+            <p:ph type="ftr" sz="quarter" idx="11"/>
+          </p:nvPr>
+        </p:nvSpPr>
+        <p:spPr/>
+        <p:txBody>
+          <a:bodyPr/>
+          <a:lstStyle/>
+          <a:p>
+            <a:r>
+              <a:rPr lang="en-US"/>
+              <a:t>CSC485B SUNY Plattsburgh</a:t>
+            </a:r>
+          </a:p>
+        </p:txBody>
+      </p:sp>
+      <p:sp>
+        <p:nvSpPr>
+          <p:cNvPr id="5" name="Slide Number Placeholder 4">
+            <a:extLst>
+              <a:ext uri="{FF2B5EF4-FFF2-40B4-BE49-F238E27FC236}">
+                <a16:creationId xmlns:a16="http://schemas.microsoft.com/office/drawing/2014/main" id="{5D558D6C-2A13-4BE5-B3BD-AF748690E220}"/>
+              </a:ext>
+            </a:extLst>
+          </p:cNvPr>
+          <p:cNvSpPr>
+            <a:spLocks noGrp="1"/>
+          </p:cNvSpPr>
+          <p:nvPr>
+            <p:ph type="sldNum" sz="quarter" idx="12"/>
+          </p:nvPr>
+        </p:nvSpPr>
+        <p:spPr/>
+        <p:txBody>
+          <a:bodyPr/>
+          <a:lstStyle/>
+          <a:p>
+            <a:fld id="{73B850FF-6169-4056-8077-06FFA93A5366}" type="slidenum">
+              <a:rPr lang="en-US" smtClean="0"/>
+              <a:t>10</a:t>
+            </a:fld>
+            <a:endParaRPr lang="en-US"/>
           </a:p>
         </p:txBody>
       </p:sp>
     </p:spTree>
     <p:extLst>
       <p:ext uri="{BB962C8B-B14F-4D97-AF65-F5344CB8AC3E}">
-        <p14:creationId xmlns:p14="http://schemas.microsoft.com/office/powerpoint/2010/main" val="2917022723"/>
+        <p14:creationId xmlns:p14="http://schemas.microsoft.com/office/powerpoint/2010/main" val="3237952924"/>
       </p:ext>
     </p:extLst>
   </p:cSld>
@@ -6496,155 +7012,6 @@
           <p:cNvPr id="2" name="Title 1">
             <a:extLst>
               <a:ext uri="{FF2B5EF4-FFF2-40B4-BE49-F238E27FC236}">
-                <a16:creationId xmlns:a16="http://schemas.microsoft.com/office/drawing/2014/main" id="{98525DED-DA78-4049-A037-571C0E6E0650}"/>
-              </a:ext>
-            </a:extLst>
-          </p:cNvPr>
-          <p:cNvSpPr>
-            <a:spLocks noGrp="1"/>
-          </p:cNvSpPr>
-          <p:nvPr>
-            <p:ph type="title"/>
-          </p:nvPr>
-        </p:nvSpPr>
-        <p:spPr/>
-        <p:txBody>
-          <a:bodyPr/>
-          <a:lstStyle/>
-          <a:p>
-            <a:r>
-              <a:rPr lang="en-US" dirty="0"/>
-              <a:t>And there we just invented…</a:t>
-            </a:r>
-          </a:p>
-        </p:txBody>
-      </p:sp>
-      <p:sp>
-        <p:nvSpPr>
-          <p:cNvPr id="3" name="Content Placeholder 2">
-            <a:extLst>
-              <a:ext uri="{FF2B5EF4-FFF2-40B4-BE49-F238E27FC236}">
-                <a16:creationId xmlns:a16="http://schemas.microsoft.com/office/drawing/2014/main" id="{1D6A8721-C044-48BA-B538-15BADA44CDBB}"/>
-              </a:ext>
-            </a:extLst>
-          </p:cNvPr>
-          <p:cNvSpPr>
-            <a:spLocks noGrp="1"/>
-          </p:cNvSpPr>
-          <p:nvPr>
-            <p:ph idx="1"/>
-          </p:nvPr>
-        </p:nvSpPr>
-        <p:spPr/>
-        <p:txBody>
-          <a:bodyPr>
-            <a:normAutofit lnSpcReduction="10000"/>
-          </a:bodyPr>
-          <a:lstStyle/>
-          <a:p>
-            <a:r>
-              <a:rPr lang="en-US" dirty="0"/>
-              <a:t>Neural Networks</a:t>
-            </a:r>
-          </a:p>
-          <a:p>
-            <a:r>
-              <a:rPr lang="en-US" dirty="0"/>
-              <a:t>Of course, we didn’t. Here a great historical overview</a:t>
-            </a:r>
-          </a:p>
-          <a:p>
-            <a:r>
-              <a:rPr lang="en-US" dirty="0">
-                <a:hlinkClick r:id="rId2"/>
-              </a:rPr>
-              <a:t>https://www.tutorialspoint.com/artificial_neural_network/artificial_neural_network_quick_guide.htm#</a:t>
-            </a:r>
-            <a:endParaRPr lang="en-US" dirty="0"/>
-          </a:p>
-          <a:p>
-            <a:pPr lvl="1"/>
-            <a:r>
-              <a:rPr lang="en-US" dirty="0"/>
-              <a:t>Biological background</a:t>
-            </a:r>
-          </a:p>
-          <a:p>
-            <a:pPr lvl="1"/>
-            <a:r>
-              <a:rPr lang="en-US" dirty="0"/>
-              <a:t>Different structures- feedforward most common</a:t>
-            </a:r>
-          </a:p>
-          <a:p>
-            <a:pPr lvl="1"/>
-            <a:r>
-              <a:rPr lang="en-US" dirty="0"/>
-              <a:t>Training Heuristics</a:t>
-            </a:r>
-          </a:p>
-          <a:p>
-            <a:pPr lvl="2"/>
-            <a:r>
-              <a:rPr lang="en-US" dirty="0"/>
-              <a:t>Backpropagation and infinite variations</a:t>
-            </a:r>
-          </a:p>
-          <a:p>
-            <a:pPr lvl="2"/>
-            <a:r>
-              <a:rPr lang="en-US" dirty="0"/>
-              <a:t>All of these are GUESSES and STUFF TO TRY- “heuristics”</a:t>
-            </a:r>
-          </a:p>
-          <a:p>
-            <a:pPr lvl="2"/>
-            <a:r>
-              <a:rPr lang="en-US" dirty="0"/>
-              <a:t>TONS of mathematical theory used to described how it all “might or might not” work</a:t>
-            </a:r>
-            <a:br>
-              <a:rPr lang="en-US" dirty="0"/>
-            </a:br>
-            <a:endParaRPr lang="en-US" dirty="0"/>
-          </a:p>
-        </p:txBody>
-      </p:sp>
-    </p:spTree>
-    <p:extLst>
-      <p:ext uri="{BB962C8B-B14F-4D97-AF65-F5344CB8AC3E}">
-        <p14:creationId xmlns:p14="http://schemas.microsoft.com/office/powerpoint/2010/main" val="3237952924"/>
-      </p:ext>
-    </p:extLst>
-  </p:cSld>
-  <p:clrMapOvr>
-    <a:masterClrMapping/>
-  </p:clrMapOvr>
-</p:sld>
-</file>
-
-<file path=ppt/slides/slide12.xml><?xml version="1.0" encoding="utf-8"?>
-<p:sld xmlns:a="http://schemas.openxmlformats.org/drawingml/2006/main" xmlns:r="http://schemas.openxmlformats.org/officeDocument/2006/relationships" xmlns:p="http://schemas.openxmlformats.org/presentationml/2006/main">
-  <p:cSld>
-    <p:spTree>
-      <p:nvGrpSpPr>
-        <p:cNvPr id="1" name=""/>
-        <p:cNvGrpSpPr/>
-        <p:nvPr/>
-      </p:nvGrpSpPr>
-      <p:grpSpPr>
-        <a:xfrm>
-          <a:off x="0" y="0"/>
-          <a:ext cx="0" cy="0"/>
-          <a:chOff x="0" y="0"/>
-          <a:chExt cx="0" cy="0"/>
-        </a:xfrm>
-      </p:grpSpPr>
-      <p:sp>
-        <p:nvSpPr>
-          <p:cNvPr id="2" name="Title 1">
-            <a:extLst>
-              <a:ext uri="{FF2B5EF4-FFF2-40B4-BE49-F238E27FC236}">
                 <a16:creationId xmlns:a16="http://schemas.microsoft.com/office/drawing/2014/main" id="{4B583FA9-C02E-4684-8F8B-CA15111CB9A4}"/>
               </a:ext>
             </a:extLst>
@@ -6709,6 +7076,63 @@
               <a:rPr lang="en-US" dirty="0"/>
               <a:t>Eventually, with some significant hyperparameter experimentation, we get something that looks pretty solid</a:t>
             </a:r>
+          </a:p>
+        </p:txBody>
+      </p:sp>
+      <p:sp>
+        <p:nvSpPr>
+          <p:cNvPr id="4" name="Footer Placeholder 3">
+            <a:extLst>
+              <a:ext uri="{FF2B5EF4-FFF2-40B4-BE49-F238E27FC236}">
+                <a16:creationId xmlns:a16="http://schemas.microsoft.com/office/drawing/2014/main" id="{A6D9A833-3F0D-47C2-A34B-E76072FE3F54}"/>
+              </a:ext>
+            </a:extLst>
+          </p:cNvPr>
+          <p:cNvSpPr>
+            <a:spLocks noGrp="1"/>
+          </p:cNvSpPr>
+          <p:nvPr>
+            <p:ph type="ftr" sz="quarter" idx="11"/>
+          </p:nvPr>
+        </p:nvSpPr>
+        <p:spPr/>
+        <p:txBody>
+          <a:bodyPr/>
+          <a:lstStyle/>
+          <a:p>
+            <a:r>
+              <a:rPr lang="en-US"/>
+              <a:t>CSC485B SUNY Plattsburgh</a:t>
+            </a:r>
+          </a:p>
+        </p:txBody>
+      </p:sp>
+      <p:sp>
+        <p:nvSpPr>
+          <p:cNvPr id="5" name="Slide Number Placeholder 4">
+            <a:extLst>
+              <a:ext uri="{FF2B5EF4-FFF2-40B4-BE49-F238E27FC236}">
+                <a16:creationId xmlns:a16="http://schemas.microsoft.com/office/drawing/2014/main" id="{8612254A-C90C-4F96-8149-E974706ADB36}"/>
+              </a:ext>
+            </a:extLst>
+          </p:cNvPr>
+          <p:cNvSpPr>
+            <a:spLocks noGrp="1"/>
+          </p:cNvSpPr>
+          <p:nvPr>
+            <p:ph type="sldNum" sz="quarter" idx="12"/>
+          </p:nvPr>
+        </p:nvSpPr>
+        <p:spPr/>
+        <p:txBody>
+          <a:bodyPr/>
+          <a:lstStyle/>
+          <a:p>
+            <a:fld id="{73B850FF-6169-4056-8077-06FFA93A5366}" type="slidenum">
+              <a:rPr lang="en-US" smtClean="0"/>
+              <a:t>11</a:t>
+            </a:fld>
+            <a:endParaRPr lang="en-US"/>
           </a:p>
         </p:txBody>
       </p:sp>
@@ -6725,7 +7149,7 @@
 </p:sld>
 </file>
 
-<file path=ppt/slides/slide13.xml><?xml version="1.0" encoding="utf-8"?>
+<file path=ppt/slides/slide12.xml><?xml version="1.0" encoding="utf-8"?>
 <p:sld xmlns:a="http://schemas.openxmlformats.org/drawingml/2006/main" xmlns:r="http://schemas.openxmlformats.org/officeDocument/2006/relationships" xmlns:p="http://schemas.openxmlformats.org/presentationml/2006/main">
   <p:cSld>
     <p:spTree>
@@ -7273,6 +7697,63 @@
           </p:sp>
         </mc:Fallback>
       </mc:AlternateContent>
+      <p:sp>
+        <p:nvSpPr>
+          <p:cNvPr id="9" name="Footer Placeholder 8">
+            <a:extLst>
+              <a:ext uri="{FF2B5EF4-FFF2-40B4-BE49-F238E27FC236}">
+                <a16:creationId xmlns:a16="http://schemas.microsoft.com/office/drawing/2014/main" id="{495A2195-223A-4F0A-BA3E-6F7E95A0AA35}"/>
+              </a:ext>
+            </a:extLst>
+          </p:cNvPr>
+          <p:cNvSpPr>
+            <a:spLocks noGrp="1"/>
+          </p:cNvSpPr>
+          <p:nvPr>
+            <p:ph type="ftr" sz="quarter" idx="11"/>
+          </p:nvPr>
+        </p:nvSpPr>
+        <p:spPr/>
+        <p:txBody>
+          <a:bodyPr/>
+          <a:lstStyle/>
+          <a:p>
+            <a:r>
+              <a:rPr lang="en-US"/>
+              <a:t>CSC485B SUNY Plattsburgh</a:t>
+            </a:r>
+          </a:p>
+        </p:txBody>
+      </p:sp>
+      <p:sp>
+        <p:nvSpPr>
+          <p:cNvPr id="10" name="Slide Number Placeholder 9">
+            <a:extLst>
+              <a:ext uri="{FF2B5EF4-FFF2-40B4-BE49-F238E27FC236}">
+                <a16:creationId xmlns:a16="http://schemas.microsoft.com/office/drawing/2014/main" id="{93B19742-126E-45AA-A1CC-965E1AAF9C18}"/>
+              </a:ext>
+            </a:extLst>
+          </p:cNvPr>
+          <p:cNvSpPr>
+            <a:spLocks noGrp="1"/>
+          </p:cNvSpPr>
+          <p:nvPr>
+            <p:ph type="sldNum" sz="quarter" idx="12"/>
+          </p:nvPr>
+        </p:nvSpPr>
+        <p:spPr/>
+        <p:txBody>
+          <a:bodyPr/>
+          <a:lstStyle/>
+          <a:p>
+            <a:fld id="{73B850FF-6169-4056-8077-06FFA93A5366}" type="slidenum">
+              <a:rPr lang="en-US" smtClean="0"/>
+              <a:t>12</a:t>
+            </a:fld>
+            <a:endParaRPr lang="en-US"/>
+          </a:p>
+        </p:txBody>
+      </p:sp>
     </p:spTree>
     <p:extLst>
       <p:ext uri="{BB962C8B-B14F-4D97-AF65-F5344CB8AC3E}">
@@ -7286,7 +7767,7 @@
 </p:sld>
 </file>
 
-<file path=ppt/slides/slide14.xml><?xml version="1.0" encoding="utf-8"?>
+<file path=ppt/slides/slide13.xml><?xml version="1.0" encoding="utf-8"?>
 <p:sld xmlns:a="http://schemas.openxmlformats.org/drawingml/2006/main" xmlns:r="http://schemas.openxmlformats.org/officeDocument/2006/relationships" xmlns:p="http://schemas.openxmlformats.org/presentationml/2006/main">
   <p:cSld>
     <p:spTree>
@@ -7401,6 +7882,63 @@
           </a:p>
         </p:txBody>
       </p:sp>
+      <p:sp>
+        <p:nvSpPr>
+          <p:cNvPr id="4" name="Footer Placeholder 3">
+            <a:extLst>
+              <a:ext uri="{FF2B5EF4-FFF2-40B4-BE49-F238E27FC236}">
+                <a16:creationId xmlns:a16="http://schemas.microsoft.com/office/drawing/2014/main" id="{FBE5EC02-C481-4E08-8C60-EA277A6F6883}"/>
+              </a:ext>
+            </a:extLst>
+          </p:cNvPr>
+          <p:cNvSpPr>
+            <a:spLocks noGrp="1"/>
+          </p:cNvSpPr>
+          <p:nvPr>
+            <p:ph type="ftr" sz="quarter" idx="11"/>
+          </p:nvPr>
+        </p:nvSpPr>
+        <p:spPr/>
+        <p:txBody>
+          <a:bodyPr/>
+          <a:lstStyle/>
+          <a:p>
+            <a:r>
+              <a:rPr lang="en-US"/>
+              <a:t>CSC485B SUNY Plattsburgh</a:t>
+            </a:r>
+          </a:p>
+        </p:txBody>
+      </p:sp>
+      <p:sp>
+        <p:nvSpPr>
+          <p:cNvPr id="5" name="Slide Number Placeholder 4">
+            <a:extLst>
+              <a:ext uri="{FF2B5EF4-FFF2-40B4-BE49-F238E27FC236}">
+                <a16:creationId xmlns:a16="http://schemas.microsoft.com/office/drawing/2014/main" id="{B1DA891F-088E-440B-8720-737849112C4C}"/>
+              </a:ext>
+            </a:extLst>
+          </p:cNvPr>
+          <p:cNvSpPr>
+            <a:spLocks noGrp="1"/>
+          </p:cNvSpPr>
+          <p:nvPr>
+            <p:ph type="sldNum" sz="quarter" idx="12"/>
+          </p:nvPr>
+        </p:nvSpPr>
+        <p:spPr/>
+        <p:txBody>
+          <a:bodyPr/>
+          <a:lstStyle/>
+          <a:p>
+            <a:fld id="{73B850FF-6169-4056-8077-06FFA93A5366}" type="slidenum">
+              <a:rPr lang="en-US" smtClean="0"/>
+              <a:t>13</a:t>
+            </a:fld>
+            <a:endParaRPr lang="en-US"/>
+          </a:p>
+        </p:txBody>
+      </p:sp>
     </p:spTree>
     <p:extLst>
       <p:ext uri="{BB962C8B-B14F-4D97-AF65-F5344CB8AC3E}">
@@ -7414,7 +7952,7 @@
 </p:sld>
 </file>
 
-<file path=ppt/slides/slide15.xml><?xml version="1.0" encoding="utf-8"?>
+<file path=ppt/slides/slide14.xml><?xml version="1.0" encoding="utf-8"?>
 <p:sld xmlns:a="http://schemas.openxmlformats.org/drawingml/2006/main" xmlns:r="http://schemas.openxmlformats.org/officeDocument/2006/relationships" xmlns:p="http://schemas.openxmlformats.org/presentationml/2006/main">
   <p:cSld>
     <p:spTree>
@@ -7575,10 +8113,394 @@
           </a:prstGeom>
         </p:spPr>
       </p:pic>
+      <p:sp>
+        <p:nvSpPr>
+          <p:cNvPr id="4" name="Footer Placeholder 3">
+            <a:extLst>
+              <a:ext uri="{FF2B5EF4-FFF2-40B4-BE49-F238E27FC236}">
+                <a16:creationId xmlns:a16="http://schemas.microsoft.com/office/drawing/2014/main" id="{4AD59E21-808F-44E9-BAF8-C9E96420288A}"/>
+              </a:ext>
+            </a:extLst>
+          </p:cNvPr>
+          <p:cNvSpPr>
+            <a:spLocks noGrp="1"/>
+          </p:cNvSpPr>
+          <p:nvPr>
+            <p:ph type="ftr" sz="quarter" idx="11"/>
+          </p:nvPr>
+        </p:nvSpPr>
+        <p:spPr/>
+        <p:txBody>
+          <a:bodyPr/>
+          <a:lstStyle/>
+          <a:p>
+            <a:r>
+              <a:rPr lang="en-US"/>
+              <a:t>CSC485B SUNY Plattsburgh</a:t>
+            </a:r>
+          </a:p>
+        </p:txBody>
+      </p:sp>
+      <p:sp>
+        <p:nvSpPr>
+          <p:cNvPr id="6" name="Slide Number Placeholder 5">
+            <a:extLst>
+              <a:ext uri="{FF2B5EF4-FFF2-40B4-BE49-F238E27FC236}">
+                <a16:creationId xmlns:a16="http://schemas.microsoft.com/office/drawing/2014/main" id="{35F8C240-C9CA-4FC4-BDE5-C5C233D23EC5}"/>
+              </a:ext>
+            </a:extLst>
+          </p:cNvPr>
+          <p:cNvSpPr>
+            <a:spLocks noGrp="1"/>
+          </p:cNvSpPr>
+          <p:nvPr>
+            <p:ph type="sldNum" sz="quarter" idx="12"/>
+          </p:nvPr>
+        </p:nvSpPr>
+        <p:spPr/>
+        <p:txBody>
+          <a:bodyPr/>
+          <a:lstStyle/>
+          <a:p>
+            <a:fld id="{73B850FF-6169-4056-8077-06FFA93A5366}" type="slidenum">
+              <a:rPr lang="en-US" smtClean="0"/>
+              <a:t>14</a:t>
+            </a:fld>
+            <a:endParaRPr lang="en-US"/>
+          </a:p>
+        </p:txBody>
+      </p:sp>
     </p:spTree>
     <p:extLst>
       <p:ext uri="{BB962C8B-B14F-4D97-AF65-F5344CB8AC3E}">
         <p14:creationId xmlns:p14="http://schemas.microsoft.com/office/powerpoint/2010/main" val="3379338234"/>
+      </p:ext>
+    </p:extLst>
+  </p:cSld>
+  <p:clrMapOvr>
+    <a:masterClrMapping/>
+  </p:clrMapOvr>
+</p:sld>
+</file>
+
+<file path=ppt/slides/slide15.xml><?xml version="1.0" encoding="utf-8"?>
+<p:sld xmlns:a="http://schemas.openxmlformats.org/drawingml/2006/main" xmlns:r="http://schemas.openxmlformats.org/officeDocument/2006/relationships" xmlns:p="http://schemas.openxmlformats.org/presentationml/2006/main">
+  <p:cSld>
+    <p:spTree>
+      <p:nvGrpSpPr>
+        <p:cNvPr id="1" name=""/>
+        <p:cNvGrpSpPr/>
+        <p:nvPr/>
+      </p:nvGrpSpPr>
+      <p:grpSpPr>
+        <a:xfrm>
+          <a:off x="0" y="0"/>
+          <a:ext cx="0" cy="0"/>
+          <a:chOff x="0" y="0"/>
+          <a:chExt cx="0" cy="0"/>
+        </a:xfrm>
+      </p:grpSpPr>
+      <p:sp>
+        <p:nvSpPr>
+          <p:cNvPr id="2" name="Title 1">
+            <a:extLst>
+              <a:ext uri="{FF2B5EF4-FFF2-40B4-BE49-F238E27FC236}">
+                <a16:creationId xmlns:a16="http://schemas.microsoft.com/office/drawing/2014/main" id="{1B35A497-4B16-4862-90E0-2873A0313407}"/>
+              </a:ext>
+            </a:extLst>
+          </p:cNvPr>
+          <p:cNvSpPr>
+            <a:spLocks noGrp="1"/>
+          </p:cNvSpPr>
+          <p:nvPr>
+            <p:ph type="title"/>
+          </p:nvPr>
+        </p:nvSpPr>
+        <p:spPr>
+          <a:xfrm>
+            <a:off x="256644" y="198718"/>
+            <a:ext cx="5102756" cy="2646082"/>
+          </a:xfrm>
+        </p:spPr>
+        <p:txBody>
+          <a:bodyPr/>
+          <a:lstStyle/>
+          <a:p>
+            <a:r>
+              <a:rPr lang="en-US" dirty="0"/>
+              <a:t>How Do You Set All the Hyperparameters?</a:t>
+            </a:r>
+          </a:p>
+        </p:txBody>
+      </p:sp>
+      <p:pic>
+        <p:nvPicPr>
+          <p:cNvPr id="4" name="Picture 3">
+            <a:extLst>
+              <a:ext uri="{FF2B5EF4-FFF2-40B4-BE49-F238E27FC236}">
+                <a16:creationId xmlns:a16="http://schemas.microsoft.com/office/drawing/2014/main" id="{2FF8837B-C12D-4F99-94F2-49A55DB773EE}"/>
+              </a:ext>
+            </a:extLst>
+          </p:cNvPr>
+          <p:cNvPicPr>
+            <a:picLocks noChangeAspect="1"/>
+          </p:cNvPicPr>
+          <p:nvPr/>
+        </p:nvPicPr>
+        <p:blipFill>
+          <a:blip r:embed="rId2"/>
+          <a:stretch>
+            <a:fillRect/>
+          </a:stretch>
+        </p:blipFill>
+        <p:spPr>
+          <a:xfrm>
+            <a:off x="5604581" y="-55282"/>
+            <a:ext cx="6570842" cy="6858000"/>
+          </a:xfrm>
+          <a:prstGeom prst="rect">
+            <a:avLst/>
+          </a:prstGeom>
+        </p:spPr>
+      </p:pic>
+      <p:sp>
+        <p:nvSpPr>
+          <p:cNvPr id="5" name="Oval 4">
+            <a:extLst>
+              <a:ext uri="{FF2B5EF4-FFF2-40B4-BE49-F238E27FC236}">
+                <a16:creationId xmlns:a16="http://schemas.microsoft.com/office/drawing/2014/main" id="{19EA9FCE-0A32-4808-A7D5-D2801A452876}"/>
+              </a:ext>
+            </a:extLst>
+          </p:cNvPr>
+          <p:cNvSpPr/>
+          <p:nvPr/>
+        </p:nvSpPr>
+        <p:spPr>
+          <a:xfrm>
+            <a:off x="9821333" y="5046134"/>
+            <a:ext cx="1388533" cy="389466"/>
+          </a:xfrm>
+          <a:prstGeom prst="ellipse">
+            <a:avLst/>
+          </a:prstGeom>
+          <a:noFill/>
+        </p:spPr>
+        <p:style>
+          <a:lnRef idx="2">
+            <a:schemeClr val="accent1">
+              <a:shade val="50000"/>
+            </a:schemeClr>
+          </a:lnRef>
+          <a:fillRef idx="1">
+            <a:schemeClr val="accent1"/>
+          </a:fillRef>
+          <a:effectRef idx="0">
+            <a:schemeClr val="accent1"/>
+          </a:effectRef>
+          <a:fontRef idx="minor">
+            <a:schemeClr val="lt1"/>
+          </a:fontRef>
+        </p:style>
+        <p:txBody>
+          <a:bodyPr rtlCol="0" anchor="ctr"/>
+          <a:lstStyle/>
+          <a:p>
+            <a:pPr algn="ctr"/>
+            <a:endParaRPr lang="en-US"/>
+          </a:p>
+        </p:txBody>
+      </p:sp>
+      <p:sp>
+        <p:nvSpPr>
+          <p:cNvPr id="6" name="Oval 5">
+            <a:extLst>
+              <a:ext uri="{FF2B5EF4-FFF2-40B4-BE49-F238E27FC236}">
+                <a16:creationId xmlns:a16="http://schemas.microsoft.com/office/drawing/2014/main" id="{0121C940-1DCF-4814-BDFB-953A27C6F7C0}"/>
+              </a:ext>
+            </a:extLst>
+          </p:cNvPr>
+          <p:cNvSpPr/>
+          <p:nvPr/>
+        </p:nvSpPr>
+        <p:spPr>
+          <a:xfrm>
+            <a:off x="5681133" y="5875867"/>
+            <a:ext cx="5283200" cy="649691"/>
+          </a:xfrm>
+          <a:prstGeom prst="ellipse">
+            <a:avLst/>
+          </a:prstGeom>
+          <a:noFill/>
+        </p:spPr>
+        <p:style>
+          <a:lnRef idx="2">
+            <a:schemeClr val="accent1">
+              <a:shade val="50000"/>
+            </a:schemeClr>
+          </a:lnRef>
+          <a:fillRef idx="1">
+            <a:schemeClr val="accent1"/>
+          </a:fillRef>
+          <a:effectRef idx="0">
+            <a:schemeClr val="accent1"/>
+          </a:effectRef>
+          <a:fontRef idx="minor">
+            <a:schemeClr val="lt1"/>
+          </a:fontRef>
+        </p:style>
+        <p:txBody>
+          <a:bodyPr rtlCol="0" anchor="ctr"/>
+          <a:lstStyle/>
+          <a:p>
+            <a:pPr algn="ctr"/>
+            <a:endParaRPr lang="en-US"/>
+          </a:p>
+        </p:txBody>
+      </p:sp>
+      <p:cxnSp>
+        <p:nvCxnSpPr>
+          <p:cNvPr id="8" name="Straight Arrow Connector 7">
+            <a:extLst>
+              <a:ext uri="{FF2B5EF4-FFF2-40B4-BE49-F238E27FC236}">
+                <a16:creationId xmlns:a16="http://schemas.microsoft.com/office/drawing/2014/main" id="{B0B4B8F7-C1D1-4D7E-80AF-1981525566D0}"/>
+              </a:ext>
+            </a:extLst>
+          </p:cNvPr>
+          <p:cNvCxnSpPr>
+            <a:cxnSpLocks/>
+            <a:endCxn id="5" idx="2"/>
+          </p:cNvCxnSpPr>
+          <p:nvPr/>
+        </p:nvCxnSpPr>
+        <p:spPr>
+          <a:xfrm>
+            <a:off x="4013200" y="4851401"/>
+            <a:ext cx="5808133" cy="389466"/>
+          </a:xfrm>
+          <a:prstGeom prst="straightConnector1">
+            <a:avLst/>
+          </a:prstGeom>
+          <a:ln w="38100">
+            <a:tailEnd type="triangle"/>
+          </a:ln>
+        </p:spPr>
+        <p:style>
+          <a:lnRef idx="1">
+            <a:schemeClr val="accent1"/>
+          </a:lnRef>
+          <a:fillRef idx="0">
+            <a:schemeClr val="accent1"/>
+          </a:fillRef>
+          <a:effectRef idx="0">
+            <a:schemeClr val="accent1"/>
+          </a:effectRef>
+          <a:fontRef idx="minor">
+            <a:schemeClr val="tx1"/>
+          </a:fontRef>
+        </p:style>
+      </p:cxnSp>
+      <p:cxnSp>
+        <p:nvCxnSpPr>
+          <p:cNvPr id="9" name="Straight Arrow Connector 8">
+            <a:extLst>
+              <a:ext uri="{FF2B5EF4-FFF2-40B4-BE49-F238E27FC236}">
+                <a16:creationId xmlns:a16="http://schemas.microsoft.com/office/drawing/2014/main" id="{CB8DC84D-F1B2-4266-92C7-FFC4C7C48B66}"/>
+              </a:ext>
+            </a:extLst>
+          </p:cNvPr>
+          <p:cNvCxnSpPr>
+            <a:cxnSpLocks/>
+          </p:cNvCxnSpPr>
+          <p:nvPr/>
+        </p:nvCxnSpPr>
+        <p:spPr>
+          <a:xfrm>
+            <a:off x="4013200" y="4851401"/>
+            <a:ext cx="1811867" cy="1219199"/>
+          </a:xfrm>
+          <a:prstGeom prst="straightConnector1">
+            <a:avLst/>
+          </a:prstGeom>
+          <a:ln w="38100">
+            <a:tailEnd type="triangle"/>
+          </a:ln>
+        </p:spPr>
+        <p:style>
+          <a:lnRef idx="1">
+            <a:schemeClr val="accent1"/>
+          </a:lnRef>
+          <a:fillRef idx="0">
+            <a:schemeClr val="accent1"/>
+          </a:fillRef>
+          <a:effectRef idx="0">
+            <a:schemeClr val="accent1"/>
+          </a:effectRef>
+          <a:fontRef idx="minor">
+            <a:schemeClr val="tx1"/>
+          </a:fontRef>
+        </p:style>
+      </p:cxnSp>
+      <p:sp>
+        <p:nvSpPr>
+          <p:cNvPr id="15" name="Footer Placeholder 14">
+            <a:extLst>
+              <a:ext uri="{FF2B5EF4-FFF2-40B4-BE49-F238E27FC236}">
+                <a16:creationId xmlns:a16="http://schemas.microsoft.com/office/drawing/2014/main" id="{12738398-3389-468A-A23C-28B2DA73D550}"/>
+              </a:ext>
+            </a:extLst>
+          </p:cNvPr>
+          <p:cNvSpPr>
+            <a:spLocks noGrp="1"/>
+          </p:cNvSpPr>
+          <p:nvPr>
+            <p:ph type="ftr" sz="quarter" idx="11"/>
+          </p:nvPr>
+        </p:nvSpPr>
+        <p:spPr/>
+        <p:txBody>
+          <a:bodyPr/>
+          <a:lstStyle/>
+          <a:p>
+            <a:r>
+              <a:rPr lang="en-US"/>
+              <a:t>CSC485B SUNY Plattsburgh</a:t>
+            </a:r>
+          </a:p>
+        </p:txBody>
+      </p:sp>
+      <p:sp>
+        <p:nvSpPr>
+          <p:cNvPr id="16" name="Slide Number Placeholder 15">
+            <a:extLst>
+              <a:ext uri="{FF2B5EF4-FFF2-40B4-BE49-F238E27FC236}">
+                <a16:creationId xmlns:a16="http://schemas.microsoft.com/office/drawing/2014/main" id="{2E95FFD0-9873-48D4-8A05-16935A935939}"/>
+              </a:ext>
+            </a:extLst>
+          </p:cNvPr>
+          <p:cNvSpPr>
+            <a:spLocks noGrp="1"/>
+          </p:cNvSpPr>
+          <p:nvPr>
+            <p:ph type="sldNum" sz="quarter" idx="12"/>
+          </p:nvPr>
+        </p:nvSpPr>
+        <p:spPr/>
+        <p:txBody>
+          <a:bodyPr/>
+          <a:lstStyle/>
+          <a:p>
+            <a:fld id="{73B850FF-6169-4056-8077-06FFA93A5366}" type="slidenum">
+              <a:rPr lang="en-US" smtClean="0"/>
+              <a:t>15</a:t>
+            </a:fld>
+            <a:endParaRPr lang="en-US"/>
+          </a:p>
+        </p:txBody>
+      </p:sp>
+    </p:spTree>
+    <p:extLst>
+      <p:ext uri="{BB962C8B-B14F-4D97-AF65-F5344CB8AC3E}">
+        <p14:creationId xmlns:p14="http://schemas.microsoft.com/office/powerpoint/2010/main" val="3831044208"/>
       </p:ext>
     </p:extLst>
   </p:cSld>
@@ -7670,6 +8592,63 @@
               <a:rPr lang="en-US" dirty="0"/>
               <a:t>So it seems to me…….</a:t>
             </a:r>
+          </a:p>
+        </p:txBody>
+      </p:sp>
+      <p:sp>
+        <p:nvSpPr>
+          <p:cNvPr id="4" name="Footer Placeholder 3">
+            <a:extLst>
+              <a:ext uri="{FF2B5EF4-FFF2-40B4-BE49-F238E27FC236}">
+                <a16:creationId xmlns:a16="http://schemas.microsoft.com/office/drawing/2014/main" id="{93F61FAD-9165-4F1B-A758-9A856F6D41F1}"/>
+              </a:ext>
+            </a:extLst>
+          </p:cNvPr>
+          <p:cNvSpPr>
+            <a:spLocks noGrp="1"/>
+          </p:cNvSpPr>
+          <p:nvPr>
+            <p:ph type="ftr" sz="quarter" idx="11"/>
+          </p:nvPr>
+        </p:nvSpPr>
+        <p:spPr/>
+        <p:txBody>
+          <a:bodyPr/>
+          <a:lstStyle/>
+          <a:p>
+            <a:r>
+              <a:rPr lang="en-US"/>
+              <a:t>CSC485B SUNY Plattsburgh</a:t>
+            </a:r>
+          </a:p>
+        </p:txBody>
+      </p:sp>
+      <p:sp>
+        <p:nvSpPr>
+          <p:cNvPr id="5" name="Slide Number Placeholder 4">
+            <a:extLst>
+              <a:ext uri="{FF2B5EF4-FFF2-40B4-BE49-F238E27FC236}">
+                <a16:creationId xmlns:a16="http://schemas.microsoft.com/office/drawing/2014/main" id="{1E12FA30-38CE-4184-9916-D913ACCA5023}"/>
+              </a:ext>
+            </a:extLst>
+          </p:cNvPr>
+          <p:cNvSpPr>
+            <a:spLocks noGrp="1"/>
+          </p:cNvSpPr>
+          <p:nvPr>
+            <p:ph type="sldNum" sz="quarter" idx="12"/>
+          </p:nvPr>
+        </p:nvSpPr>
+        <p:spPr/>
+        <p:txBody>
+          <a:bodyPr/>
+          <a:lstStyle/>
+          <a:p>
+            <a:fld id="{73B850FF-6169-4056-8077-06FFA93A5366}" type="slidenum">
+              <a:rPr lang="en-US" smtClean="0"/>
+              <a:t>16</a:t>
+            </a:fld>
+            <a:endParaRPr lang="en-US"/>
           </a:p>
         </p:txBody>
       </p:sp>
@@ -8487,6 +9466,63 @@
           </a:p>
         </p:txBody>
       </p:sp>
+      <p:sp>
+        <p:nvSpPr>
+          <p:cNvPr id="20" name="Footer Placeholder 19">
+            <a:extLst>
+              <a:ext uri="{FF2B5EF4-FFF2-40B4-BE49-F238E27FC236}">
+                <a16:creationId xmlns:a16="http://schemas.microsoft.com/office/drawing/2014/main" id="{E8265D54-725B-48BF-890E-511516FAF3D3}"/>
+              </a:ext>
+            </a:extLst>
+          </p:cNvPr>
+          <p:cNvSpPr>
+            <a:spLocks noGrp="1"/>
+          </p:cNvSpPr>
+          <p:nvPr>
+            <p:ph type="ftr" sz="quarter" idx="11"/>
+          </p:nvPr>
+        </p:nvSpPr>
+        <p:spPr/>
+        <p:txBody>
+          <a:bodyPr/>
+          <a:lstStyle/>
+          <a:p>
+            <a:r>
+              <a:rPr lang="en-US"/>
+              <a:t>CSC485B SUNY Plattsburgh</a:t>
+            </a:r>
+          </a:p>
+        </p:txBody>
+      </p:sp>
+      <p:sp>
+        <p:nvSpPr>
+          <p:cNvPr id="21" name="Slide Number Placeholder 20">
+            <a:extLst>
+              <a:ext uri="{FF2B5EF4-FFF2-40B4-BE49-F238E27FC236}">
+                <a16:creationId xmlns:a16="http://schemas.microsoft.com/office/drawing/2014/main" id="{094807F9-5B1E-4B72-9D91-A210AD94C773}"/>
+              </a:ext>
+            </a:extLst>
+          </p:cNvPr>
+          <p:cNvSpPr>
+            <a:spLocks noGrp="1"/>
+          </p:cNvSpPr>
+          <p:nvPr>
+            <p:ph type="sldNum" sz="quarter" idx="12"/>
+          </p:nvPr>
+        </p:nvSpPr>
+        <p:spPr/>
+        <p:txBody>
+          <a:bodyPr/>
+          <a:lstStyle/>
+          <a:p>
+            <a:fld id="{73B850FF-6169-4056-8077-06FFA93A5366}" type="slidenum">
+              <a:rPr lang="en-US" smtClean="0"/>
+              <a:t>17</a:t>
+            </a:fld>
+            <a:endParaRPr lang="en-US"/>
+          </a:p>
+        </p:txBody>
+      </p:sp>
     </p:spTree>
     <p:extLst>
       <p:ext uri="{BB962C8B-B14F-4D97-AF65-F5344CB8AC3E}">
@@ -8522,6 +9558,357 @@
           <p:cNvPr id="2" name="Title 1">
             <a:extLst>
               <a:ext uri="{FF2B5EF4-FFF2-40B4-BE49-F238E27FC236}">
+                <a16:creationId xmlns:a16="http://schemas.microsoft.com/office/drawing/2014/main" id="{03520A5B-079C-4CA6-AFF9-E058567C3FBD}"/>
+              </a:ext>
+            </a:extLst>
+          </p:cNvPr>
+          <p:cNvSpPr>
+            <a:spLocks noGrp="1"/>
+          </p:cNvSpPr>
+          <p:nvPr>
+            <p:ph type="title"/>
+          </p:nvPr>
+        </p:nvSpPr>
+        <p:spPr/>
+        <p:txBody>
+          <a:bodyPr/>
+          <a:lstStyle/>
+          <a:p>
+            <a:r>
+              <a:rPr lang="en-US"/>
+              <a:t>Homework 2 </a:t>
+            </a:r>
+            <a:r>
+              <a:rPr lang="en-US" dirty="0"/>
+              <a:t>Details</a:t>
+            </a:r>
+          </a:p>
+        </p:txBody>
+      </p:sp>
+      <p:sp>
+        <p:nvSpPr>
+          <p:cNvPr id="3" name="Content Placeholder 2">
+            <a:extLst>
+              <a:ext uri="{FF2B5EF4-FFF2-40B4-BE49-F238E27FC236}">
+                <a16:creationId xmlns:a16="http://schemas.microsoft.com/office/drawing/2014/main" id="{9AD5247F-8A75-4817-A83E-3B22D9CA22F9}"/>
+              </a:ext>
+            </a:extLst>
+          </p:cNvPr>
+          <p:cNvSpPr>
+            <a:spLocks noGrp="1"/>
+          </p:cNvSpPr>
+          <p:nvPr>
+            <p:ph idx="1"/>
+          </p:nvPr>
+        </p:nvSpPr>
+        <p:spPr/>
+        <p:txBody>
+          <a:bodyPr>
+            <a:normAutofit fontScale="85000" lnSpcReduction="10000"/>
+          </a:bodyPr>
+          <a:lstStyle/>
+          <a:p>
+            <a:r>
+              <a:rPr lang="en-US" dirty="0"/>
+              <a:t>Build your “Pythagoras dataset” to include 400 random triangles with sizes from 2cm to 2000cm on each side</a:t>
+            </a:r>
+          </a:p>
+          <a:p>
+            <a:r>
+              <a:rPr lang="en-US" dirty="0"/>
+              <a:t>Split it into training and test portions using </a:t>
+            </a:r>
+            <a:r>
+              <a:rPr lang="en-US" dirty="0" err="1"/>
+              <a:t>sklearn.model_selection.train_test_split</a:t>
+            </a:r>
+            <a:endParaRPr lang="en-US" dirty="0"/>
+          </a:p>
+          <a:p>
+            <a:r>
+              <a:rPr lang="en-US" dirty="0"/>
+              <a:t>Scale using </a:t>
+            </a:r>
+            <a:r>
+              <a:rPr lang="en-US" dirty="0" err="1"/>
+              <a:t>std_scaler</a:t>
+            </a:r>
+            <a:r>
+              <a:rPr lang="en-US" dirty="0"/>
+              <a:t> and figure out how to use a </a:t>
+            </a:r>
+            <a:r>
+              <a:rPr lang="en-US" dirty="0" err="1"/>
+              <a:t>sklearn.pipeline</a:t>
+            </a:r>
+            <a:r>
+              <a:rPr lang="en-US" dirty="0"/>
+              <a:t> so you don’t have to keep remembering to scale all of your </a:t>
+            </a:r>
+            <a:r>
+              <a:rPr lang="en-US" dirty="0" err="1"/>
+              <a:t>Xs</a:t>
+            </a:r>
+            <a:endParaRPr lang="en-US" dirty="0"/>
+          </a:p>
+          <a:p>
+            <a:r>
+              <a:rPr lang="en-US" dirty="0"/>
+              <a:t>Get your super simple MLPs running as suggested on the previous slide- Success is: max error &lt; 0.5cm on hypotenuse, &lt; 1cm on perimeter, and &lt; 1cm^2 on area</a:t>
+            </a:r>
+          </a:p>
+          <a:p>
+            <a:r>
+              <a:rPr lang="en-US" dirty="0"/>
+              <a:t>Now, make the data more “realistic” by adding small random errors to your dataset</a:t>
+            </a:r>
+          </a:p>
+          <a:p>
+            <a:pPr lvl="1"/>
+            <a:r>
+              <a:rPr lang="en-US" dirty="0"/>
+              <a:t>Generate an exact dataset</a:t>
+            </a:r>
+          </a:p>
+          <a:p>
+            <a:pPr lvl="1"/>
+            <a:r>
+              <a:rPr lang="en-US" dirty="0"/>
+              <a:t>Now make your training dataset by assuming there are small errors in side1 and side2 measurements</a:t>
+            </a:r>
+          </a:p>
+          <a:p>
+            <a:pPr lvl="1"/>
+            <a:r>
+              <a:rPr lang="en-US" dirty="0"/>
+              <a:t>Does your same code work when run on the exact data?</a:t>
+            </a:r>
+          </a:p>
+        </p:txBody>
+      </p:sp>
+      <p:sp>
+        <p:nvSpPr>
+          <p:cNvPr id="4" name="Footer Placeholder 3">
+            <a:extLst>
+              <a:ext uri="{FF2B5EF4-FFF2-40B4-BE49-F238E27FC236}">
+                <a16:creationId xmlns:a16="http://schemas.microsoft.com/office/drawing/2014/main" id="{58035A9B-6129-4C10-B384-4B9D0012E9A9}"/>
+              </a:ext>
+            </a:extLst>
+          </p:cNvPr>
+          <p:cNvSpPr>
+            <a:spLocks noGrp="1"/>
+          </p:cNvSpPr>
+          <p:nvPr>
+            <p:ph type="ftr" sz="quarter" idx="11"/>
+          </p:nvPr>
+        </p:nvSpPr>
+        <p:spPr/>
+        <p:txBody>
+          <a:bodyPr/>
+          <a:lstStyle/>
+          <a:p>
+            <a:r>
+              <a:rPr lang="en-US"/>
+              <a:t>CSC485B SUNY Plattsburgh</a:t>
+            </a:r>
+          </a:p>
+        </p:txBody>
+      </p:sp>
+      <p:sp>
+        <p:nvSpPr>
+          <p:cNvPr id="5" name="Slide Number Placeholder 4">
+            <a:extLst>
+              <a:ext uri="{FF2B5EF4-FFF2-40B4-BE49-F238E27FC236}">
+                <a16:creationId xmlns:a16="http://schemas.microsoft.com/office/drawing/2014/main" id="{1280C3DF-C99D-4BC6-A7E5-2B74C7EC8D39}"/>
+              </a:ext>
+            </a:extLst>
+          </p:cNvPr>
+          <p:cNvSpPr>
+            <a:spLocks noGrp="1"/>
+          </p:cNvSpPr>
+          <p:nvPr>
+            <p:ph type="sldNum" sz="quarter" idx="12"/>
+          </p:nvPr>
+        </p:nvSpPr>
+        <p:spPr/>
+        <p:txBody>
+          <a:bodyPr/>
+          <a:lstStyle/>
+          <a:p>
+            <a:fld id="{73B850FF-6169-4056-8077-06FFA93A5366}" type="slidenum">
+              <a:rPr lang="en-US" smtClean="0"/>
+              <a:t>18</a:t>
+            </a:fld>
+            <a:endParaRPr lang="en-US" dirty="0"/>
+          </a:p>
+        </p:txBody>
+      </p:sp>
+      <p:sp>
+        <p:nvSpPr>
+          <p:cNvPr id="6" name="Rectangle 1">
+            <a:extLst>
+              <a:ext uri="{FF2B5EF4-FFF2-40B4-BE49-F238E27FC236}">
+                <a16:creationId xmlns:a16="http://schemas.microsoft.com/office/drawing/2014/main" id="{E3EF2A71-66C9-426B-9686-EAE9E8A9B83A}"/>
+              </a:ext>
+            </a:extLst>
+          </p:cNvPr>
+          <p:cNvSpPr>
+            <a:spLocks noChangeArrowheads="1"/>
+          </p:cNvSpPr>
+          <p:nvPr/>
+        </p:nvSpPr>
+        <p:spPr bwMode="auto">
+          <a:xfrm>
+            <a:off x="0" y="0"/>
+            <a:ext cx="12192000" cy="457200"/>
+          </a:xfrm>
+          <a:prstGeom prst="rect">
+            <a:avLst/>
+          </a:prstGeom>
+          <a:solidFill>
+            <a:srgbClr val="EEEEEE"/>
+          </a:solidFill>
+          <a:ln>
+            <a:noFill/>
+          </a:ln>
+          <a:effectLst/>
+          <a:extLst>
+            <a:ext uri="{91240B29-F687-4F45-9708-019B960494DF}">
+              <a14:hiddenLine xmlns:a14="http://schemas.microsoft.com/office/drawing/2010/main" w="9525">
+                <a:solidFill>
+                  <a:schemeClr val="tx1"/>
+                </a:solidFill>
+                <a:miter lim="800000"/>
+                <a:headEnd/>
+                <a:tailEnd/>
+              </a14:hiddenLine>
+            </a:ext>
+            <a:ext uri="{AF507438-7753-43E0-B8FC-AC1667EBCBE1}">
+              <a14:hiddenEffects xmlns:a14="http://schemas.microsoft.com/office/drawing/2010/main">
+                <a:effectLst>
+                  <a:outerShdw dist="35921" dir="2700000" algn="ctr" rotWithShape="0">
+                    <a:schemeClr val="bg2"/>
+                  </a:outerShdw>
+                </a:effectLst>
+              </a14:hiddenEffects>
+            </a:ext>
+          </a:extLst>
+        </p:spPr>
+        <p:txBody>
+          <a:bodyPr vert="horz" wrap="none" lIns="91440" tIns="0" rIns="91440" bIns="45720" numCol="1" anchor="ctr" anchorCtr="0" compatLnSpc="1">
+            <a:prstTxWarp prst="textNoShape">
+              <a:avLst/>
+            </a:prstTxWarp>
+            <a:spAutoFit/>
+          </a:bodyPr>
+          <a:lstStyle/>
+          <a:p>
+            <a:pPr marL="0" marR="0" lvl="0" indent="0" algn="l" defTabSz="914400" rtl="0" eaLnBrk="0" fontAlgn="base" latinLnBrk="0" hangingPunct="0">
+              <a:lnSpc>
+                <a:spcPct val="100000"/>
+              </a:lnSpc>
+              <a:spcBef>
+                <a:spcPct val="0"/>
+              </a:spcBef>
+              <a:spcAft>
+                <a:spcPct val="0"/>
+              </a:spcAft>
+              <a:buClrTx/>
+              <a:buSzTx/>
+              <a:buFontTx/>
+              <a:buNone/>
+              <a:tabLst/>
+            </a:pPr>
+            <a:r>
+              <a:rPr kumimoji="0" lang="en-US" altLang="en-US" sz="1200" b="1" i="0" u="none" strike="noStrike" cap="none" normalizeH="0" baseline="0">
+                <a:ln>
+                  <a:noFill/>
+                </a:ln>
+                <a:solidFill>
+                  <a:srgbClr val="2878A2"/>
+                </a:solidFill>
+                <a:effectLst/>
+                <a:latin typeface="SFMono-Regular"/>
+                <a:hlinkClick r:id="rId2" tooltip="sklearn.pipeline"/>
+              </a:rPr>
+              <a:t>sklearn.pipeline</a:t>
+            </a:r>
+            <a:endParaRPr kumimoji="0" lang="en-US" altLang="en-US" sz="900" b="0" i="0" u="none" strike="noStrike" cap="none" normalizeH="0" baseline="0">
+              <a:ln>
+                <a:noFill/>
+              </a:ln>
+              <a:solidFill>
+                <a:srgbClr val="212529"/>
+              </a:solidFill>
+              <a:effectLst/>
+              <a:latin typeface="-apple-system"/>
+            </a:endParaRPr>
+          </a:p>
+          <a:p>
+            <a:pPr marL="0" marR="0" lvl="0" indent="0" algn="l" defTabSz="914400" rtl="0" eaLnBrk="0" fontAlgn="base" latinLnBrk="0" hangingPunct="0">
+              <a:lnSpc>
+                <a:spcPct val="100000"/>
+              </a:lnSpc>
+              <a:spcBef>
+                <a:spcPct val="0"/>
+              </a:spcBef>
+              <a:spcAft>
+                <a:spcPct val="0"/>
+              </a:spcAft>
+              <a:buClrTx/>
+              <a:buSzTx/>
+              <a:buFontTx/>
+              <a:buNone/>
+              <a:tabLst/>
+            </a:pPr>
+            <a:endParaRPr kumimoji="0" lang="en-US" altLang="en-US" sz="1800" b="0" i="0" u="none" strike="noStrike" cap="none" normalizeH="0" baseline="0">
+              <a:ln>
+                <a:noFill/>
+              </a:ln>
+              <a:solidFill>
+                <a:schemeClr val="tx1"/>
+              </a:solidFill>
+              <a:effectLst/>
+              <a:latin typeface="Arial" panose="020B0604020202020204" pitchFamily="34" charset="0"/>
+            </a:endParaRPr>
+          </a:p>
+        </p:txBody>
+      </p:sp>
+    </p:spTree>
+    <p:extLst>
+      <p:ext uri="{BB962C8B-B14F-4D97-AF65-F5344CB8AC3E}">
+        <p14:creationId xmlns:p14="http://schemas.microsoft.com/office/powerpoint/2010/main" val="3331957637"/>
+      </p:ext>
+    </p:extLst>
+  </p:cSld>
+  <p:clrMapOvr>
+    <a:masterClrMapping/>
+  </p:clrMapOvr>
+</p:sld>
+</file>
+
+<file path=ppt/slides/slide19.xml><?xml version="1.0" encoding="utf-8"?>
+<p:sld xmlns:a="http://schemas.openxmlformats.org/drawingml/2006/main" xmlns:r="http://schemas.openxmlformats.org/officeDocument/2006/relationships" xmlns:p="http://schemas.openxmlformats.org/presentationml/2006/main">
+  <p:cSld>
+    <p:spTree>
+      <p:nvGrpSpPr>
+        <p:cNvPr id="1" name=""/>
+        <p:cNvGrpSpPr/>
+        <p:nvPr/>
+      </p:nvGrpSpPr>
+      <p:grpSpPr>
+        <a:xfrm>
+          <a:off x="0" y="0"/>
+          <a:ext cx="0" cy="0"/>
+          <a:chOff x="0" y="0"/>
+          <a:chExt cx="0" cy="0"/>
+        </a:xfrm>
+      </p:grpSpPr>
+      <p:sp>
+        <p:nvSpPr>
+          <p:cNvPr id="2" name="Title 1">
+            <a:extLst>
+              <a:ext uri="{FF2B5EF4-FFF2-40B4-BE49-F238E27FC236}">
                 <a16:creationId xmlns:a16="http://schemas.microsoft.com/office/drawing/2014/main" id="{FAEEE0CE-F45A-4E5B-9904-18DADCAE34DC}"/>
               </a:ext>
             </a:extLst>
@@ -8608,6 +9995,63 @@
           <a:p>
             <a:pPr lvl="1"/>
             <a:endParaRPr lang="en-US" dirty="0"/>
+          </a:p>
+        </p:txBody>
+      </p:sp>
+      <p:sp>
+        <p:nvSpPr>
+          <p:cNvPr id="4" name="Footer Placeholder 3">
+            <a:extLst>
+              <a:ext uri="{FF2B5EF4-FFF2-40B4-BE49-F238E27FC236}">
+                <a16:creationId xmlns:a16="http://schemas.microsoft.com/office/drawing/2014/main" id="{CB7BBC67-6444-4CDF-AB46-24AB910D287F}"/>
+              </a:ext>
+            </a:extLst>
+          </p:cNvPr>
+          <p:cNvSpPr>
+            <a:spLocks noGrp="1"/>
+          </p:cNvSpPr>
+          <p:nvPr>
+            <p:ph type="ftr" sz="quarter" idx="11"/>
+          </p:nvPr>
+        </p:nvSpPr>
+        <p:spPr/>
+        <p:txBody>
+          <a:bodyPr/>
+          <a:lstStyle/>
+          <a:p>
+            <a:r>
+              <a:rPr lang="en-US"/>
+              <a:t>CSC485B SUNY Plattsburgh</a:t>
+            </a:r>
+          </a:p>
+        </p:txBody>
+      </p:sp>
+      <p:sp>
+        <p:nvSpPr>
+          <p:cNvPr id="5" name="Slide Number Placeholder 4">
+            <a:extLst>
+              <a:ext uri="{FF2B5EF4-FFF2-40B4-BE49-F238E27FC236}">
+                <a16:creationId xmlns:a16="http://schemas.microsoft.com/office/drawing/2014/main" id="{AE673211-FB5E-4759-98AB-1AACE419F633}"/>
+              </a:ext>
+            </a:extLst>
+          </p:cNvPr>
+          <p:cNvSpPr>
+            <a:spLocks noGrp="1"/>
+          </p:cNvSpPr>
+          <p:nvPr>
+            <p:ph type="sldNum" sz="quarter" idx="12"/>
+          </p:nvPr>
+        </p:nvSpPr>
+        <p:spPr/>
+        <p:txBody>
+          <a:bodyPr/>
+          <a:lstStyle/>
+          <a:p>
+            <a:fld id="{73B850FF-6169-4056-8077-06FFA93A5366}" type="slidenum">
+              <a:rPr lang="en-US" smtClean="0"/>
+              <a:t>19</a:t>
+            </a:fld>
+            <a:endParaRPr lang="en-US"/>
           </a:p>
         </p:txBody>
       </p:sp>
@@ -8646,69 +10090,6 @@
           <p:cNvPr id="2" name="Title 1">
             <a:extLst>
               <a:ext uri="{FF2B5EF4-FFF2-40B4-BE49-F238E27FC236}">
-                <a16:creationId xmlns:a16="http://schemas.microsoft.com/office/drawing/2014/main" id="{CFC29087-D32B-4464-9600-557E1490B1CC}"/>
-              </a:ext>
-            </a:extLst>
-          </p:cNvPr>
-          <p:cNvSpPr>
-            <a:spLocks noGrp="1"/>
-          </p:cNvSpPr>
-          <p:nvPr>
-            <p:ph type="title"/>
-          </p:nvPr>
-        </p:nvSpPr>
-        <p:spPr>
-          <a:xfrm>
-            <a:off x="438722" y="0"/>
-            <a:ext cx="7759335" cy="918883"/>
-          </a:xfrm>
-        </p:spPr>
-        <p:txBody>
-          <a:bodyPr/>
-          <a:lstStyle/>
-          <a:p>
-            <a:r>
-              <a:rPr lang="en-US" dirty="0"/>
-              <a:t>Some Funny AI Asides</a:t>
-            </a:r>
-          </a:p>
-        </p:txBody>
-      </p:sp>
-    </p:spTree>
-    <p:extLst>
-      <p:ext uri="{BB962C8B-B14F-4D97-AF65-F5344CB8AC3E}">
-        <p14:creationId xmlns:p14="http://schemas.microsoft.com/office/powerpoint/2010/main" val="530051390"/>
-      </p:ext>
-    </p:extLst>
-  </p:cSld>
-  <p:clrMapOvr>
-    <a:masterClrMapping/>
-  </p:clrMapOvr>
-</p:sld>
-</file>
-
-<file path=ppt/slides/slide3.xml><?xml version="1.0" encoding="utf-8"?>
-<p:sld xmlns:a="http://schemas.openxmlformats.org/drawingml/2006/main" xmlns:r="http://schemas.openxmlformats.org/officeDocument/2006/relationships" xmlns:p="http://schemas.openxmlformats.org/presentationml/2006/main">
-  <p:cSld>
-    <p:spTree>
-      <p:nvGrpSpPr>
-        <p:cNvPr id="1" name=""/>
-        <p:cNvGrpSpPr/>
-        <p:nvPr/>
-      </p:nvGrpSpPr>
-      <p:grpSpPr>
-        <a:xfrm>
-          <a:off x="0" y="0"/>
-          <a:ext cx="0" cy="0"/>
-          <a:chOff x="0" y="0"/>
-          <a:chExt cx="0" cy="0"/>
-        </a:xfrm>
-      </p:grpSpPr>
-      <p:sp>
-        <p:nvSpPr>
-          <p:cNvPr id="2" name="Title 1">
-            <a:extLst>
-              <a:ext uri="{FF2B5EF4-FFF2-40B4-BE49-F238E27FC236}">
                 <a16:creationId xmlns:a16="http://schemas.microsoft.com/office/drawing/2014/main" id="{E96FD79D-4F31-9B40-FF72-D2E6EC18560D}"/>
               </a:ext>
             </a:extLst>
@@ -8771,6 +10152,63 @@
               <a:rPr lang="en-US" dirty="0"/>
               <a:t>Let’s learn more about neural networks</a:t>
             </a:r>
+          </a:p>
+        </p:txBody>
+      </p:sp>
+      <p:sp>
+        <p:nvSpPr>
+          <p:cNvPr id="4" name="Footer Placeholder 3">
+            <a:extLst>
+              <a:ext uri="{FF2B5EF4-FFF2-40B4-BE49-F238E27FC236}">
+                <a16:creationId xmlns:a16="http://schemas.microsoft.com/office/drawing/2014/main" id="{6C65CEC4-DB31-4F71-91DC-10C90948514B}"/>
+              </a:ext>
+            </a:extLst>
+          </p:cNvPr>
+          <p:cNvSpPr>
+            <a:spLocks noGrp="1"/>
+          </p:cNvSpPr>
+          <p:nvPr>
+            <p:ph type="ftr" sz="quarter" idx="11"/>
+          </p:nvPr>
+        </p:nvSpPr>
+        <p:spPr/>
+        <p:txBody>
+          <a:bodyPr/>
+          <a:lstStyle/>
+          <a:p>
+            <a:r>
+              <a:rPr lang="en-US"/>
+              <a:t>CSC485B SUNY Plattsburgh</a:t>
+            </a:r>
+          </a:p>
+        </p:txBody>
+      </p:sp>
+      <p:sp>
+        <p:nvSpPr>
+          <p:cNvPr id="5" name="Slide Number Placeholder 4">
+            <a:extLst>
+              <a:ext uri="{FF2B5EF4-FFF2-40B4-BE49-F238E27FC236}">
+                <a16:creationId xmlns:a16="http://schemas.microsoft.com/office/drawing/2014/main" id="{F2C3F7B7-2A9F-4284-A2FC-5D9AD7C777B7}"/>
+              </a:ext>
+            </a:extLst>
+          </p:cNvPr>
+          <p:cNvSpPr>
+            <a:spLocks noGrp="1"/>
+          </p:cNvSpPr>
+          <p:nvPr>
+            <p:ph type="sldNum" sz="quarter" idx="12"/>
+          </p:nvPr>
+        </p:nvSpPr>
+        <p:spPr/>
+        <p:txBody>
+          <a:bodyPr/>
+          <a:lstStyle/>
+          <a:p>
+            <a:fld id="{73B850FF-6169-4056-8077-06FFA93A5366}" type="slidenum">
+              <a:rPr lang="en-US" smtClean="0"/>
+              <a:t>2</a:t>
+            </a:fld>
+            <a:endParaRPr lang="en-US"/>
           </a:p>
         </p:txBody>
       </p:sp>
@@ -8787,7 +10225,7 @@
 </p:sld>
 </file>
 
-<file path=ppt/slides/slide4.xml><?xml version="1.0" encoding="utf-8"?>
+<file path=ppt/slides/slide3.xml><?xml version="1.0" encoding="utf-8"?>
 <p:sld xmlns:a="http://schemas.openxmlformats.org/drawingml/2006/main" xmlns:r="http://schemas.openxmlformats.org/officeDocument/2006/relationships" xmlns:p="http://schemas.openxmlformats.org/presentationml/2006/main">
   <p:cSld>
     <p:spTree>
@@ -9036,10 +10474,215 @@
           </a:p>
         </p:txBody>
       </p:sp>
+      <p:sp>
+        <p:nvSpPr>
+          <p:cNvPr id="7" name="Footer Placeholder 6">
+            <a:extLst>
+              <a:ext uri="{FF2B5EF4-FFF2-40B4-BE49-F238E27FC236}">
+                <a16:creationId xmlns:a16="http://schemas.microsoft.com/office/drawing/2014/main" id="{037DD81D-2300-409D-8835-675BD5D07793}"/>
+              </a:ext>
+            </a:extLst>
+          </p:cNvPr>
+          <p:cNvSpPr>
+            <a:spLocks noGrp="1"/>
+          </p:cNvSpPr>
+          <p:nvPr>
+            <p:ph type="ftr" sz="quarter" idx="11"/>
+          </p:nvPr>
+        </p:nvSpPr>
+        <p:spPr/>
+        <p:txBody>
+          <a:bodyPr/>
+          <a:lstStyle/>
+          <a:p>
+            <a:r>
+              <a:rPr lang="en-US"/>
+              <a:t>CSC485B SUNY Plattsburgh</a:t>
+            </a:r>
+          </a:p>
+        </p:txBody>
+      </p:sp>
+      <p:sp>
+        <p:nvSpPr>
+          <p:cNvPr id="8" name="Slide Number Placeholder 7">
+            <a:extLst>
+              <a:ext uri="{FF2B5EF4-FFF2-40B4-BE49-F238E27FC236}">
+                <a16:creationId xmlns:a16="http://schemas.microsoft.com/office/drawing/2014/main" id="{0AE4B1B2-52CA-4445-8EC4-021EEE4D1701}"/>
+              </a:ext>
+            </a:extLst>
+          </p:cNvPr>
+          <p:cNvSpPr>
+            <a:spLocks noGrp="1"/>
+          </p:cNvSpPr>
+          <p:nvPr>
+            <p:ph type="sldNum" sz="quarter" idx="12"/>
+          </p:nvPr>
+        </p:nvSpPr>
+        <p:spPr/>
+        <p:txBody>
+          <a:bodyPr/>
+          <a:lstStyle/>
+          <a:p>
+            <a:fld id="{73B850FF-6169-4056-8077-06FFA93A5366}" type="slidenum">
+              <a:rPr lang="en-US" smtClean="0"/>
+              <a:t>3</a:t>
+            </a:fld>
+            <a:endParaRPr lang="en-US"/>
+          </a:p>
+        </p:txBody>
+      </p:sp>
     </p:spTree>
     <p:extLst>
       <p:ext uri="{BB962C8B-B14F-4D97-AF65-F5344CB8AC3E}">
         <p14:creationId xmlns:p14="http://schemas.microsoft.com/office/powerpoint/2010/main" val="3810274282"/>
+      </p:ext>
+    </p:extLst>
+  </p:cSld>
+  <p:clrMapOvr>
+    <a:masterClrMapping/>
+  </p:clrMapOvr>
+</p:sld>
+</file>
+
+<file path=ppt/slides/slide4.xml><?xml version="1.0" encoding="utf-8"?>
+<p:sld xmlns:a="http://schemas.openxmlformats.org/drawingml/2006/main" xmlns:r="http://schemas.openxmlformats.org/officeDocument/2006/relationships" xmlns:p="http://schemas.openxmlformats.org/presentationml/2006/main">
+  <p:cSld>
+    <p:spTree>
+      <p:nvGrpSpPr>
+        <p:cNvPr id="1" name=""/>
+        <p:cNvGrpSpPr/>
+        <p:nvPr/>
+      </p:nvGrpSpPr>
+      <p:grpSpPr>
+        <a:xfrm>
+          <a:off x="0" y="0"/>
+          <a:ext cx="0" cy="0"/>
+          <a:chOff x="0" y="0"/>
+          <a:chExt cx="0" cy="0"/>
+        </a:xfrm>
+      </p:grpSpPr>
+      <p:sp>
+        <p:nvSpPr>
+          <p:cNvPr id="2" name="Title 1">
+            <a:extLst>
+              <a:ext uri="{FF2B5EF4-FFF2-40B4-BE49-F238E27FC236}">
+                <a16:creationId xmlns:a16="http://schemas.microsoft.com/office/drawing/2014/main" id="{38E4797A-B348-4B7B-84E8-8D5059CB5D72}"/>
+              </a:ext>
+            </a:extLst>
+          </p:cNvPr>
+          <p:cNvSpPr>
+            <a:spLocks noGrp="1"/>
+          </p:cNvSpPr>
+          <p:nvPr>
+            <p:ph type="title"/>
+          </p:nvPr>
+        </p:nvSpPr>
+        <p:spPr/>
+        <p:txBody>
+          <a:bodyPr/>
+          <a:lstStyle/>
+          <a:p>
+            <a:r>
+              <a:rPr lang="en-US" dirty="0"/>
+              <a:t>Linear Regression</a:t>
+            </a:r>
+          </a:p>
+        </p:txBody>
+      </p:sp>
+      <p:sp>
+        <p:nvSpPr>
+          <p:cNvPr id="3" name="Content Placeholder 2">
+            <a:extLst>
+              <a:ext uri="{FF2B5EF4-FFF2-40B4-BE49-F238E27FC236}">
+                <a16:creationId xmlns:a16="http://schemas.microsoft.com/office/drawing/2014/main" id="{11B299E7-E86F-4901-9757-95D6B76AAB93}"/>
+              </a:ext>
+            </a:extLst>
+          </p:cNvPr>
+          <p:cNvSpPr>
+            <a:spLocks noGrp="1"/>
+          </p:cNvSpPr>
+          <p:nvPr>
+            <p:ph idx="1"/>
+          </p:nvPr>
+        </p:nvSpPr>
+        <p:spPr>
+          <a:xfrm>
+            <a:off x="1103312" y="2052919"/>
+            <a:ext cx="8946541" cy="517562"/>
+          </a:xfrm>
+        </p:spPr>
+        <p:txBody>
+          <a:bodyPr/>
+          <a:lstStyle/>
+          <a:p>
+            <a:r>
+              <a:rPr lang="en-US" dirty="0"/>
+              <a:t>INSERT DIAG 1</a:t>
+            </a:r>
+          </a:p>
+        </p:txBody>
+      </p:sp>
+      <p:sp>
+        <p:nvSpPr>
+          <p:cNvPr id="4" name="Footer Placeholder 3">
+            <a:extLst>
+              <a:ext uri="{FF2B5EF4-FFF2-40B4-BE49-F238E27FC236}">
+                <a16:creationId xmlns:a16="http://schemas.microsoft.com/office/drawing/2014/main" id="{E341A21C-B9E9-4586-B582-EEA7C633765E}"/>
+              </a:ext>
+            </a:extLst>
+          </p:cNvPr>
+          <p:cNvSpPr>
+            <a:spLocks noGrp="1"/>
+          </p:cNvSpPr>
+          <p:nvPr>
+            <p:ph type="ftr" sz="quarter" idx="11"/>
+          </p:nvPr>
+        </p:nvSpPr>
+        <p:spPr/>
+        <p:txBody>
+          <a:bodyPr/>
+          <a:lstStyle/>
+          <a:p>
+            <a:r>
+              <a:rPr lang="en-US"/>
+              <a:t>CSC485B SUNY Plattsburgh</a:t>
+            </a:r>
+          </a:p>
+        </p:txBody>
+      </p:sp>
+      <p:sp>
+        <p:nvSpPr>
+          <p:cNvPr id="5" name="Slide Number Placeholder 4">
+            <a:extLst>
+              <a:ext uri="{FF2B5EF4-FFF2-40B4-BE49-F238E27FC236}">
+                <a16:creationId xmlns:a16="http://schemas.microsoft.com/office/drawing/2014/main" id="{94D4B0DC-C9D1-4B66-B621-936A240B4F8E}"/>
+              </a:ext>
+            </a:extLst>
+          </p:cNvPr>
+          <p:cNvSpPr>
+            <a:spLocks noGrp="1"/>
+          </p:cNvSpPr>
+          <p:nvPr>
+            <p:ph type="sldNum" sz="quarter" idx="12"/>
+          </p:nvPr>
+        </p:nvSpPr>
+        <p:spPr/>
+        <p:txBody>
+          <a:bodyPr/>
+          <a:lstStyle/>
+          <a:p>
+            <a:fld id="{73B850FF-6169-4056-8077-06FFA93A5366}" type="slidenum">
+              <a:rPr lang="en-US" smtClean="0"/>
+              <a:t>4</a:t>
+            </a:fld>
+            <a:endParaRPr lang="en-US"/>
+          </a:p>
+        </p:txBody>
+      </p:sp>
+    </p:spTree>
+    <p:extLst>
+      <p:ext uri="{BB962C8B-B14F-4D97-AF65-F5344CB8AC3E}">
+        <p14:creationId xmlns:p14="http://schemas.microsoft.com/office/powerpoint/2010/main" val="3550843426"/>
       </p:ext>
     </p:extLst>
   </p:cSld>
@@ -9071,7 +10714,7 @@
           <p:cNvPr id="2" name="Title 1">
             <a:extLst>
               <a:ext uri="{FF2B5EF4-FFF2-40B4-BE49-F238E27FC236}">
-                <a16:creationId xmlns:a16="http://schemas.microsoft.com/office/drawing/2014/main" id="{38E4797A-B348-4B7B-84E8-8D5059CB5D72}"/>
+                <a16:creationId xmlns:a16="http://schemas.microsoft.com/office/drawing/2014/main" id="{F6C9336A-0D16-4A89-97F7-AC57BB70BF18}"/>
               </a:ext>
             </a:extLst>
           </p:cNvPr>
@@ -9089,7 +10732,7 @@
           <a:p>
             <a:r>
               <a:rPr lang="en-US" dirty="0"/>
-              <a:t>Linear Regression</a:t>
+              <a:t>Generalizing for MIMO</a:t>
             </a:r>
           </a:p>
         </p:txBody>
@@ -9099,7 +10742,7 @@
           <p:cNvPr id="3" name="Content Placeholder 2">
             <a:extLst>
               <a:ext uri="{FF2B5EF4-FFF2-40B4-BE49-F238E27FC236}">
-                <a16:creationId xmlns:a16="http://schemas.microsoft.com/office/drawing/2014/main" id="{11B299E7-E86F-4901-9757-95D6B76AAB93}"/>
+                <a16:creationId xmlns:a16="http://schemas.microsoft.com/office/drawing/2014/main" id="{DD9FE8D2-C86C-434F-AE01-3C3FB764D9D8}"/>
               </a:ext>
             </a:extLst>
           </p:cNvPr>
@@ -9110,27 +10753,79 @@
             <p:ph idx="1"/>
           </p:nvPr>
         </p:nvSpPr>
-        <p:spPr>
-          <a:xfrm>
-            <a:off x="1103312" y="2052919"/>
-            <a:ext cx="8946541" cy="517562"/>
-          </a:xfrm>
-        </p:spPr>
+        <p:spPr/>
         <p:txBody>
           <a:bodyPr/>
           <a:lstStyle/>
           <a:p>
             <a:r>
               <a:rPr lang="en-US" dirty="0"/>
-              <a:t>INSERT DIAG 1</a:t>
-            </a:r>
+              <a:t>INSERT DIAG 2</a:t>
+            </a:r>
+          </a:p>
+        </p:txBody>
+      </p:sp>
+      <p:sp>
+        <p:nvSpPr>
+          <p:cNvPr id="4" name="Footer Placeholder 3">
+            <a:extLst>
+              <a:ext uri="{FF2B5EF4-FFF2-40B4-BE49-F238E27FC236}">
+                <a16:creationId xmlns:a16="http://schemas.microsoft.com/office/drawing/2014/main" id="{40D001BB-D3DC-4F84-ACA7-0ABD16C84403}"/>
+              </a:ext>
+            </a:extLst>
+          </p:cNvPr>
+          <p:cNvSpPr>
+            <a:spLocks noGrp="1"/>
+          </p:cNvSpPr>
+          <p:nvPr>
+            <p:ph type="ftr" sz="quarter" idx="11"/>
+          </p:nvPr>
+        </p:nvSpPr>
+        <p:spPr/>
+        <p:txBody>
+          <a:bodyPr/>
+          <a:lstStyle/>
+          <a:p>
+            <a:r>
+              <a:rPr lang="en-US"/>
+              <a:t>CSC485B SUNY Plattsburgh</a:t>
+            </a:r>
+          </a:p>
+        </p:txBody>
+      </p:sp>
+      <p:sp>
+        <p:nvSpPr>
+          <p:cNvPr id="5" name="Slide Number Placeholder 4">
+            <a:extLst>
+              <a:ext uri="{FF2B5EF4-FFF2-40B4-BE49-F238E27FC236}">
+                <a16:creationId xmlns:a16="http://schemas.microsoft.com/office/drawing/2014/main" id="{7F28B463-E441-4950-BE13-03E393371DDB}"/>
+              </a:ext>
+            </a:extLst>
+          </p:cNvPr>
+          <p:cNvSpPr>
+            <a:spLocks noGrp="1"/>
+          </p:cNvSpPr>
+          <p:nvPr>
+            <p:ph type="sldNum" sz="quarter" idx="12"/>
+          </p:nvPr>
+        </p:nvSpPr>
+        <p:spPr/>
+        <p:txBody>
+          <a:bodyPr/>
+          <a:lstStyle/>
+          <a:p>
+            <a:fld id="{73B850FF-6169-4056-8077-06FFA93A5366}" type="slidenum">
+              <a:rPr lang="en-US" smtClean="0"/>
+              <a:t>5</a:t>
+            </a:fld>
+            <a:endParaRPr lang="en-US"/>
           </a:p>
         </p:txBody>
       </p:sp>
     </p:spTree>
     <p:extLst>
       <p:ext uri="{BB962C8B-B14F-4D97-AF65-F5344CB8AC3E}">
-        <p14:creationId xmlns:p14="http://schemas.microsoft.com/office/powerpoint/2010/main" val="3550843426"/>
+        <p14:creationId xmlns:p14="http://schemas.microsoft.com/office/powerpoint/2010/main" val="3128088763"/>
       </p:ext>
     </p:extLst>
   </p:cSld>
@@ -9162,92 +10857,6 @@
           <p:cNvPr id="2" name="Title 1">
             <a:extLst>
               <a:ext uri="{FF2B5EF4-FFF2-40B4-BE49-F238E27FC236}">
-                <a16:creationId xmlns:a16="http://schemas.microsoft.com/office/drawing/2014/main" id="{F6C9336A-0D16-4A89-97F7-AC57BB70BF18}"/>
-              </a:ext>
-            </a:extLst>
-          </p:cNvPr>
-          <p:cNvSpPr>
-            <a:spLocks noGrp="1"/>
-          </p:cNvSpPr>
-          <p:nvPr>
-            <p:ph type="title"/>
-          </p:nvPr>
-        </p:nvSpPr>
-        <p:spPr/>
-        <p:txBody>
-          <a:bodyPr/>
-          <a:lstStyle/>
-          <a:p>
-            <a:r>
-              <a:rPr lang="en-US" dirty="0"/>
-              <a:t>Generalizing for MIMO</a:t>
-            </a:r>
-          </a:p>
-        </p:txBody>
-      </p:sp>
-      <p:sp>
-        <p:nvSpPr>
-          <p:cNvPr id="3" name="Content Placeholder 2">
-            <a:extLst>
-              <a:ext uri="{FF2B5EF4-FFF2-40B4-BE49-F238E27FC236}">
-                <a16:creationId xmlns:a16="http://schemas.microsoft.com/office/drawing/2014/main" id="{DD9FE8D2-C86C-434F-AE01-3C3FB764D9D8}"/>
-              </a:ext>
-            </a:extLst>
-          </p:cNvPr>
-          <p:cNvSpPr>
-            <a:spLocks noGrp="1"/>
-          </p:cNvSpPr>
-          <p:nvPr>
-            <p:ph idx="1"/>
-          </p:nvPr>
-        </p:nvSpPr>
-        <p:spPr/>
-        <p:txBody>
-          <a:bodyPr/>
-          <a:lstStyle/>
-          <a:p>
-            <a:r>
-              <a:rPr lang="en-US" dirty="0"/>
-              <a:t>INSERT DIAG 2</a:t>
-            </a:r>
-          </a:p>
-        </p:txBody>
-      </p:sp>
-    </p:spTree>
-    <p:extLst>
-      <p:ext uri="{BB962C8B-B14F-4D97-AF65-F5344CB8AC3E}">
-        <p14:creationId xmlns:p14="http://schemas.microsoft.com/office/powerpoint/2010/main" val="3128088763"/>
-      </p:ext>
-    </p:extLst>
-  </p:cSld>
-  <p:clrMapOvr>
-    <a:masterClrMapping/>
-  </p:clrMapOvr>
-</p:sld>
-</file>
-
-<file path=ppt/slides/slide7.xml><?xml version="1.0" encoding="utf-8"?>
-<p:sld xmlns:a="http://schemas.openxmlformats.org/drawingml/2006/main" xmlns:r="http://schemas.openxmlformats.org/officeDocument/2006/relationships" xmlns:p="http://schemas.openxmlformats.org/presentationml/2006/main">
-  <p:cSld>
-    <p:spTree>
-      <p:nvGrpSpPr>
-        <p:cNvPr id="1" name=""/>
-        <p:cNvGrpSpPr/>
-        <p:nvPr/>
-      </p:nvGrpSpPr>
-      <p:grpSpPr>
-        <a:xfrm>
-          <a:off x="0" y="0"/>
-          <a:ext cx="0" cy="0"/>
-          <a:chOff x="0" y="0"/>
-          <a:chExt cx="0" cy="0"/>
-        </a:xfrm>
-      </p:grpSpPr>
-      <p:sp>
-        <p:nvSpPr>
-          <p:cNvPr id="2" name="Title 1">
-            <a:extLst>
-              <a:ext uri="{FF2B5EF4-FFF2-40B4-BE49-F238E27FC236}">
                 <a16:creationId xmlns:a16="http://schemas.microsoft.com/office/drawing/2014/main" id="{8293506A-35C4-4928-B0CE-119ED52AC226}"/>
               </a:ext>
             </a:extLst>
@@ -9348,6 +10957,63 @@
           <a:p>
             <a:pPr lvl="1"/>
             <a:endParaRPr lang="en-US" dirty="0"/>
+          </a:p>
+        </p:txBody>
+      </p:sp>
+      <p:sp>
+        <p:nvSpPr>
+          <p:cNvPr id="4" name="Footer Placeholder 3">
+            <a:extLst>
+              <a:ext uri="{FF2B5EF4-FFF2-40B4-BE49-F238E27FC236}">
+                <a16:creationId xmlns:a16="http://schemas.microsoft.com/office/drawing/2014/main" id="{CFD255CC-42B1-4FDE-A067-95986BA99169}"/>
+              </a:ext>
+            </a:extLst>
+          </p:cNvPr>
+          <p:cNvSpPr>
+            <a:spLocks noGrp="1"/>
+          </p:cNvSpPr>
+          <p:nvPr>
+            <p:ph type="ftr" sz="quarter" idx="11"/>
+          </p:nvPr>
+        </p:nvSpPr>
+        <p:spPr/>
+        <p:txBody>
+          <a:bodyPr/>
+          <a:lstStyle/>
+          <a:p>
+            <a:r>
+              <a:rPr lang="en-US"/>
+              <a:t>CSC485B SUNY Plattsburgh</a:t>
+            </a:r>
+          </a:p>
+        </p:txBody>
+      </p:sp>
+      <p:sp>
+        <p:nvSpPr>
+          <p:cNvPr id="5" name="Slide Number Placeholder 4">
+            <a:extLst>
+              <a:ext uri="{FF2B5EF4-FFF2-40B4-BE49-F238E27FC236}">
+                <a16:creationId xmlns:a16="http://schemas.microsoft.com/office/drawing/2014/main" id="{34522E3D-F677-4452-A7EF-FF559A66341C}"/>
+              </a:ext>
+            </a:extLst>
+          </p:cNvPr>
+          <p:cNvSpPr>
+            <a:spLocks noGrp="1"/>
+          </p:cNvSpPr>
+          <p:nvPr>
+            <p:ph type="sldNum" sz="quarter" idx="12"/>
+          </p:nvPr>
+        </p:nvSpPr>
+        <p:spPr/>
+        <p:txBody>
+          <a:bodyPr/>
+          <a:lstStyle/>
+          <a:p>
+            <a:fld id="{73B850FF-6169-4056-8077-06FFA93A5366}" type="slidenum">
+              <a:rPr lang="en-US" smtClean="0"/>
+              <a:t>6</a:t>
+            </a:fld>
+            <a:endParaRPr lang="en-US"/>
           </a:p>
         </p:txBody>
       </p:sp>
@@ -9364,7 +11030,7 @@
 </p:sld>
 </file>
 
-<file path=ppt/slides/slide8.xml><?xml version="1.0" encoding="utf-8"?>
+<file path=ppt/slides/slide7.xml><?xml version="1.0" encoding="utf-8"?>
 <p:sld xmlns:a="http://schemas.openxmlformats.org/drawingml/2006/main" xmlns:r="http://schemas.openxmlformats.org/officeDocument/2006/relationships" xmlns:p="http://schemas.openxmlformats.org/presentationml/2006/main">
   <p:cSld>
     <p:spTree>
@@ -9508,6 +11174,63 @@
           </a:p>
         </p:txBody>
       </p:sp>
+      <p:sp>
+        <p:nvSpPr>
+          <p:cNvPr id="3" name="Footer Placeholder 2">
+            <a:extLst>
+              <a:ext uri="{FF2B5EF4-FFF2-40B4-BE49-F238E27FC236}">
+                <a16:creationId xmlns:a16="http://schemas.microsoft.com/office/drawing/2014/main" id="{4CDDACCA-B9CE-4353-8050-33C2AFFB7717}"/>
+              </a:ext>
+            </a:extLst>
+          </p:cNvPr>
+          <p:cNvSpPr>
+            <a:spLocks noGrp="1"/>
+          </p:cNvSpPr>
+          <p:nvPr>
+            <p:ph type="ftr" sz="quarter" idx="11"/>
+          </p:nvPr>
+        </p:nvSpPr>
+        <p:spPr/>
+        <p:txBody>
+          <a:bodyPr/>
+          <a:lstStyle/>
+          <a:p>
+            <a:r>
+              <a:rPr lang="en-US"/>
+              <a:t>CSC485B SUNY Plattsburgh</a:t>
+            </a:r>
+          </a:p>
+        </p:txBody>
+      </p:sp>
+      <p:sp>
+        <p:nvSpPr>
+          <p:cNvPr id="6" name="Slide Number Placeholder 5">
+            <a:extLst>
+              <a:ext uri="{FF2B5EF4-FFF2-40B4-BE49-F238E27FC236}">
+                <a16:creationId xmlns:a16="http://schemas.microsoft.com/office/drawing/2014/main" id="{358292C5-101E-4473-8A59-9320D6EF87A0}"/>
+              </a:ext>
+            </a:extLst>
+          </p:cNvPr>
+          <p:cNvSpPr>
+            <a:spLocks noGrp="1"/>
+          </p:cNvSpPr>
+          <p:nvPr>
+            <p:ph type="sldNum" sz="quarter" idx="12"/>
+          </p:nvPr>
+        </p:nvSpPr>
+        <p:spPr/>
+        <p:txBody>
+          <a:bodyPr/>
+          <a:lstStyle/>
+          <a:p>
+            <a:fld id="{73B850FF-6169-4056-8077-06FFA93A5366}" type="slidenum">
+              <a:rPr lang="en-US" smtClean="0"/>
+              <a:t>7</a:t>
+            </a:fld>
+            <a:endParaRPr lang="en-US"/>
+          </a:p>
+        </p:txBody>
+      </p:sp>
     </p:spTree>
     <p:extLst>
       <p:ext uri="{BB962C8B-B14F-4D97-AF65-F5344CB8AC3E}">
@@ -9521,7 +11244,7 @@
 </p:sld>
 </file>
 
-<file path=ppt/slides/slide9.xml><?xml version="1.0" encoding="utf-8"?>
+<file path=ppt/slides/slide8.xml><?xml version="1.0" encoding="utf-8"?>
 <p:sld xmlns:a="http://schemas.openxmlformats.org/drawingml/2006/main" xmlns:r="http://schemas.openxmlformats.org/officeDocument/2006/relationships" xmlns:p="http://schemas.openxmlformats.org/presentationml/2006/main">
   <p:cSld>
     <p:spTree>
@@ -9722,10 +11445,230 @@
           </p:sp>
         </mc:Fallback>
       </mc:AlternateContent>
+      <p:sp>
+        <p:nvSpPr>
+          <p:cNvPr id="4" name="Footer Placeholder 3">
+            <a:extLst>
+              <a:ext uri="{FF2B5EF4-FFF2-40B4-BE49-F238E27FC236}">
+                <a16:creationId xmlns:a16="http://schemas.microsoft.com/office/drawing/2014/main" id="{53044A02-4C65-4653-901F-D3B0B736E7F3}"/>
+              </a:ext>
+            </a:extLst>
+          </p:cNvPr>
+          <p:cNvSpPr>
+            <a:spLocks noGrp="1"/>
+          </p:cNvSpPr>
+          <p:nvPr>
+            <p:ph type="ftr" sz="quarter" idx="11"/>
+          </p:nvPr>
+        </p:nvSpPr>
+        <p:spPr/>
+        <p:txBody>
+          <a:bodyPr/>
+          <a:lstStyle/>
+          <a:p>
+            <a:r>
+              <a:rPr lang="en-US"/>
+              <a:t>CSC485B SUNY Plattsburgh</a:t>
+            </a:r>
+          </a:p>
+        </p:txBody>
+      </p:sp>
+      <p:sp>
+        <p:nvSpPr>
+          <p:cNvPr id="5" name="Slide Number Placeholder 4">
+            <a:extLst>
+              <a:ext uri="{FF2B5EF4-FFF2-40B4-BE49-F238E27FC236}">
+                <a16:creationId xmlns:a16="http://schemas.microsoft.com/office/drawing/2014/main" id="{32A53A44-68F8-4DDA-8B55-DA81763C2B9B}"/>
+              </a:ext>
+            </a:extLst>
+          </p:cNvPr>
+          <p:cNvSpPr>
+            <a:spLocks noGrp="1"/>
+          </p:cNvSpPr>
+          <p:nvPr>
+            <p:ph type="sldNum" sz="quarter" idx="12"/>
+          </p:nvPr>
+        </p:nvSpPr>
+        <p:spPr/>
+        <p:txBody>
+          <a:bodyPr/>
+          <a:lstStyle/>
+          <a:p>
+            <a:fld id="{73B850FF-6169-4056-8077-06FFA93A5366}" type="slidenum">
+              <a:rPr lang="en-US" smtClean="0"/>
+              <a:t>8</a:t>
+            </a:fld>
+            <a:endParaRPr lang="en-US"/>
+          </a:p>
+        </p:txBody>
+      </p:sp>
     </p:spTree>
     <p:extLst>
       <p:ext uri="{BB962C8B-B14F-4D97-AF65-F5344CB8AC3E}">
         <p14:creationId xmlns:p14="http://schemas.microsoft.com/office/powerpoint/2010/main" val="2122864410"/>
+      </p:ext>
+    </p:extLst>
+  </p:cSld>
+  <p:clrMapOvr>
+    <a:masterClrMapping/>
+  </p:clrMapOvr>
+</p:sld>
+</file>
+
+<file path=ppt/slides/slide9.xml><?xml version="1.0" encoding="utf-8"?>
+<p:sld xmlns:a="http://schemas.openxmlformats.org/drawingml/2006/main" xmlns:r="http://schemas.openxmlformats.org/officeDocument/2006/relationships" xmlns:p="http://schemas.openxmlformats.org/presentationml/2006/main">
+  <p:cSld>
+    <p:spTree>
+      <p:nvGrpSpPr>
+        <p:cNvPr id="1" name=""/>
+        <p:cNvGrpSpPr/>
+        <p:nvPr/>
+      </p:nvGrpSpPr>
+      <p:grpSpPr>
+        <a:xfrm>
+          <a:off x="0" y="0"/>
+          <a:ext cx="0" cy="0"/>
+          <a:chOff x="0" y="0"/>
+          <a:chExt cx="0" cy="0"/>
+        </a:xfrm>
+      </p:grpSpPr>
+      <p:sp>
+        <p:nvSpPr>
+          <p:cNvPr id="2" name="Title 1">
+            <a:extLst>
+              <a:ext uri="{FF2B5EF4-FFF2-40B4-BE49-F238E27FC236}">
+                <a16:creationId xmlns:a16="http://schemas.microsoft.com/office/drawing/2014/main" id="{4BE93179-8740-4F47-B5B9-3B87144A4E1F}"/>
+              </a:ext>
+            </a:extLst>
+          </p:cNvPr>
+          <p:cNvSpPr>
+            <a:spLocks noGrp="1"/>
+          </p:cNvSpPr>
+          <p:nvPr>
+            <p:ph type="title"/>
+          </p:nvPr>
+        </p:nvSpPr>
+        <p:spPr/>
+        <p:txBody>
+          <a:bodyPr/>
+          <a:lstStyle/>
+          <a:p>
+            <a:r>
+              <a:rPr lang="en-US" dirty="0"/>
+              <a:t>How to Fix it</a:t>
+            </a:r>
+          </a:p>
+        </p:txBody>
+      </p:sp>
+      <p:sp>
+        <p:nvSpPr>
+          <p:cNvPr id="3" name="Content Placeholder 2">
+            <a:extLst>
+              <a:ext uri="{FF2B5EF4-FFF2-40B4-BE49-F238E27FC236}">
+                <a16:creationId xmlns:a16="http://schemas.microsoft.com/office/drawing/2014/main" id="{D6ABE689-F322-4128-928E-A1079C248B43}"/>
+              </a:ext>
+            </a:extLst>
+          </p:cNvPr>
+          <p:cNvSpPr>
+            <a:spLocks noGrp="1"/>
+          </p:cNvSpPr>
+          <p:nvPr>
+            <p:ph idx="1"/>
+          </p:nvPr>
+        </p:nvSpPr>
+        <p:spPr/>
+        <p:txBody>
+          <a:bodyPr/>
+          <a:lstStyle/>
+          <a:p>
+            <a:r>
+              <a:rPr lang="en-US" dirty="0"/>
+              <a:t>INSERT DIAG 4</a:t>
+            </a:r>
+          </a:p>
+          <a:p>
+            <a:pPr lvl="1"/>
+            <a:r>
+              <a:rPr lang="en-US" dirty="0"/>
+              <a:t>Almost Works</a:t>
+            </a:r>
+          </a:p>
+          <a:p>
+            <a:r>
+              <a:rPr lang="en-US" dirty="0"/>
+              <a:t>INSERT DIAG 5</a:t>
+            </a:r>
+          </a:p>
+          <a:p>
+            <a:pPr lvl="1"/>
+            <a:r>
+              <a:rPr lang="en-US" dirty="0"/>
+              <a:t>More of a chance of working</a:t>
+            </a:r>
+          </a:p>
+        </p:txBody>
+      </p:sp>
+      <p:sp>
+        <p:nvSpPr>
+          <p:cNvPr id="4" name="Footer Placeholder 3">
+            <a:extLst>
+              <a:ext uri="{FF2B5EF4-FFF2-40B4-BE49-F238E27FC236}">
+                <a16:creationId xmlns:a16="http://schemas.microsoft.com/office/drawing/2014/main" id="{445BDCC5-4C03-4F65-81FE-ED46CB047B0B}"/>
+              </a:ext>
+            </a:extLst>
+          </p:cNvPr>
+          <p:cNvSpPr>
+            <a:spLocks noGrp="1"/>
+          </p:cNvSpPr>
+          <p:nvPr>
+            <p:ph type="ftr" sz="quarter" idx="11"/>
+          </p:nvPr>
+        </p:nvSpPr>
+        <p:spPr/>
+        <p:txBody>
+          <a:bodyPr/>
+          <a:lstStyle/>
+          <a:p>
+            <a:r>
+              <a:rPr lang="en-US"/>
+              <a:t>CSC485B SUNY Plattsburgh</a:t>
+            </a:r>
+          </a:p>
+        </p:txBody>
+      </p:sp>
+      <p:sp>
+        <p:nvSpPr>
+          <p:cNvPr id="5" name="Slide Number Placeholder 4">
+            <a:extLst>
+              <a:ext uri="{FF2B5EF4-FFF2-40B4-BE49-F238E27FC236}">
+                <a16:creationId xmlns:a16="http://schemas.microsoft.com/office/drawing/2014/main" id="{2E8F8E9E-EF9C-4FE0-9DC2-91F4E0D32579}"/>
+              </a:ext>
+            </a:extLst>
+          </p:cNvPr>
+          <p:cNvSpPr>
+            <a:spLocks noGrp="1"/>
+          </p:cNvSpPr>
+          <p:nvPr>
+            <p:ph type="sldNum" sz="quarter" idx="12"/>
+          </p:nvPr>
+        </p:nvSpPr>
+        <p:spPr/>
+        <p:txBody>
+          <a:bodyPr/>
+          <a:lstStyle/>
+          <a:p>
+            <a:fld id="{73B850FF-6169-4056-8077-06FFA93A5366}" type="slidenum">
+              <a:rPr lang="en-US" smtClean="0"/>
+              <a:t>9</a:t>
+            </a:fld>
+            <a:endParaRPr lang="en-US"/>
+          </a:p>
+        </p:txBody>
+      </p:sp>
+    </p:spTree>
+    <p:extLst>
+      <p:ext uri="{BB962C8B-B14F-4D97-AF65-F5344CB8AC3E}">
+        <p14:creationId xmlns:p14="http://schemas.microsoft.com/office/powerpoint/2010/main" val="2917022723"/>
       </p:ext>
     </p:extLst>
   </p:cSld>
@@ -9999,4 +11942,299 @@
     </a:ext>
   </a:extLst>
 </a:theme>
+</file>
+
+<file path=ppt/theme/theme2.xml><?xml version="1.0" encoding="utf-8"?>
+<a:theme xmlns:a="http://schemas.openxmlformats.org/drawingml/2006/main" name="Office Theme">
+  <a:themeElements>
+    <a:clrScheme name="Office">
+      <a:dk1>
+        <a:sysClr val="windowText" lastClr="000000"/>
+      </a:dk1>
+      <a:lt1>
+        <a:sysClr val="window" lastClr="FFFFFF"/>
+      </a:lt1>
+      <a:dk2>
+        <a:srgbClr val="44546A"/>
+      </a:dk2>
+      <a:lt2>
+        <a:srgbClr val="E7E6E6"/>
+      </a:lt2>
+      <a:accent1>
+        <a:srgbClr val="4472C4"/>
+      </a:accent1>
+      <a:accent2>
+        <a:srgbClr val="ED7D31"/>
+      </a:accent2>
+      <a:accent3>
+        <a:srgbClr val="A5A5A5"/>
+      </a:accent3>
+      <a:accent4>
+        <a:srgbClr val="FFC000"/>
+      </a:accent4>
+      <a:accent5>
+        <a:srgbClr val="5B9BD5"/>
+      </a:accent5>
+      <a:accent6>
+        <a:srgbClr val="70AD47"/>
+      </a:accent6>
+      <a:hlink>
+        <a:srgbClr val="0563C1"/>
+      </a:hlink>
+      <a:folHlink>
+        <a:srgbClr val="954F72"/>
+      </a:folHlink>
+    </a:clrScheme>
+    <a:fontScheme name="Office">
+      <a:majorFont>
+        <a:latin typeface="Calibri Light" panose="020F0302020204030204"/>
+        <a:ea typeface=""/>
+        <a:cs typeface=""/>
+        <a:font script="Jpan" typeface="游ゴシック Light"/>
+        <a:font script="Hang" typeface="맑은 고딕"/>
+        <a:font script="Hans" typeface="等线 Light"/>
+        <a:font script="Hant" typeface="新細明體"/>
+        <a:font script="Arab" typeface="Times New Roman"/>
+        <a:font script="Hebr" typeface="Times New Roman"/>
+        <a:font script="Thai" typeface="Angsana New"/>
+        <a:font script="Ethi" typeface="Nyala"/>
+        <a:font script="Beng" typeface="Vrinda"/>
+        <a:font script="Gujr" typeface="Shruti"/>
+        <a:font script="Khmr" typeface="MoolBoran"/>
+        <a:font script="Knda" typeface="Tunga"/>
+        <a:font script="Guru" typeface="Raavi"/>
+        <a:font script="Cans" typeface="Euphemia"/>
+        <a:font script="Cher" typeface="Plantagenet Cherokee"/>
+        <a:font script="Yiii" typeface="Microsoft Yi Baiti"/>
+        <a:font script="Tibt" typeface="Microsoft Himalaya"/>
+        <a:font script="Thaa" typeface="MV Boli"/>
+        <a:font script="Deva" typeface="Mangal"/>
+        <a:font script="Telu" typeface="Gautami"/>
+        <a:font script="Taml" typeface="Latha"/>
+        <a:font script="Syrc" typeface="Estrangelo Edessa"/>
+        <a:font script="Orya" typeface="Kalinga"/>
+        <a:font script="Mlym" typeface="Kartika"/>
+        <a:font script="Laoo" typeface="DokChampa"/>
+        <a:font script="Sinh" typeface="Iskoola Pota"/>
+        <a:font script="Mong" typeface="Mongolian Baiti"/>
+        <a:font script="Viet" typeface="Times New Roman"/>
+        <a:font script="Uigh" typeface="Microsoft Uighur"/>
+        <a:font script="Geor" typeface="Sylfaen"/>
+        <a:font script="Armn" typeface="Arial"/>
+        <a:font script="Bugi" typeface="Leelawadee UI"/>
+        <a:font script="Bopo" typeface="Microsoft JhengHei"/>
+        <a:font script="Java" typeface="Javanese Text"/>
+        <a:font script="Lisu" typeface="Segoe UI"/>
+        <a:font script="Mymr" typeface="Myanmar Text"/>
+        <a:font script="Nkoo" typeface="Ebrima"/>
+        <a:font script="Olck" typeface="Nirmala UI"/>
+        <a:font script="Osma" typeface="Ebrima"/>
+        <a:font script="Phag" typeface="Phagspa"/>
+        <a:font script="Syrn" typeface="Estrangelo Edessa"/>
+        <a:font script="Syrj" typeface="Estrangelo Edessa"/>
+        <a:font script="Syre" typeface="Estrangelo Edessa"/>
+        <a:font script="Sora" typeface="Nirmala UI"/>
+        <a:font script="Tale" typeface="Microsoft Tai Le"/>
+        <a:font script="Talu" typeface="Microsoft New Tai Lue"/>
+        <a:font script="Tfng" typeface="Ebrima"/>
+      </a:majorFont>
+      <a:minorFont>
+        <a:latin typeface="Calibri" panose="020F0502020204030204"/>
+        <a:ea typeface=""/>
+        <a:cs typeface=""/>
+        <a:font script="Jpan" typeface="游ゴシック"/>
+        <a:font script="Hang" typeface="맑은 고딕"/>
+        <a:font script="Hans" typeface="等线"/>
+        <a:font script="Hant" typeface="新細明體"/>
+        <a:font script="Arab" typeface="Arial"/>
+        <a:font script="Hebr" typeface="Arial"/>
+        <a:font script="Thai" typeface="Cordia New"/>
+        <a:font script="Ethi" typeface="Nyala"/>
+        <a:font script="Beng" typeface="Vrinda"/>
+        <a:font script="Gujr" typeface="Shruti"/>
+        <a:font script="Khmr" typeface="DaunPenh"/>
+        <a:font script="Knda" typeface="Tunga"/>
+        <a:font script="Guru" typeface="Raavi"/>
+        <a:font script="Cans" typeface="Euphemia"/>
+        <a:font script="Cher" typeface="Plantagenet Cherokee"/>
+        <a:font script="Yiii" typeface="Microsoft Yi Baiti"/>
+        <a:font script="Tibt" typeface="Microsoft Himalaya"/>
+        <a:font script="Thaa" typeface="MV Boli"/>
+        <a:font script="Deva" typeface="Mangal"/>
+        <a:font script="Telu" typeface="Gautami"/>
+        <a:font script="Taml" typeface="Latha"/>
+        <a:font script="Syrc" typeface="Estrangelo Edessa"/>
+        <a:font script="Orya" typeface="Kalinga"/>
+        <a:font script="Mlym" typeface="Kartika"/>
+        <a:font script="Laoo" typeface="DokChampa"/>
+        <a:font script="Sinh" typeface="Iskoola Pota"/>
+        <a:font script="Mong" typeface="Mongolian Baiti"/>
+        <a:font script="Viet" typeface="Arial"/>
+        <a:font script="Uigh" typeface="Microsoft Uighur"/>
+        <a:font script="Geor" typeface="Sylfaen"/>
+        <a:font script="Armn" typeface="Arial"/>
+        <a:font script="Bugi" typeface="Leelawadee UI"/>
+        <a:font script="Bopo" typeface="Microsoft JhengHei"/>
+        <a:font script="Java" typeface="Javanese Text"/>
+        <a:font script="Lisu" typeface="Segoe UI"/>
+        <a:font script="Mymr" typeface="Myanmar Text"/>
+        <a:font script="Nkoo" typeface="Ebrima"/>
+        <a:font script="Olck" typeface="Nirmala UI"/>
+        <a:font script="Osma" typeface="Ebrima"/>
+        <a:font script="Phag" typeface="Phagspa"/>
+        <a:font script="Syrn" typeface="Estrangelo Edessa"/>
+        <a:font script="Syrj" typeface="Estrangelo Edessa"/>
+        <a:font script="Syre" typeface="Estrangelo Edessa"/>
+        <a:font script="Sora" typeface="Nirmala UI"/>
+        <a:font script="Tale" typeface="Microsoft Tai Le"/>
+        <a:font script="Talu" typeface="Microsoft New Tai Lue"/>
+        <a:font script="Tfng" typeface="Ebrima"/>
+      </a:minorFont>
+    </a:fontScheme>
+    <a:fmtScheme name="Office">
+      <a:fillStyleLst>
+        <a:solidFill>
+          <a:schemeClr val="phClr"/>
+        </a:solidFill>
+        <a:gradFill rotWithShape="1">
+          <a:gsLst>
+            <a:gs pos="0">
+              <a:schemeClr val="phClr">
+                <a:lumMod val="110000"/>
+                <a:satMod val="105000"/>
+                <a:tint val="67000"/>
+              </a:schemeClr>
+            </a:gs>
+            <a:gs pos="50000">
+              <a:schemeClr val="phClr">
+                <a:lumMod val="105000"/>
+                <a:satMod val="103000"/>
+                <a:tint val="73000"/>
+              </a:schemeClr>
+            </a:gs>
+            <a:gs pos="100000">
+              <a:schemeClr val="phClr">
+                <a:lumMod val="105000"/>
+                <a:satMod val="109000"/>
+                <a:tint val="81000"/>
+              </a:schemeClr>
+            </a:gs>
+          </a:gsLst>
+          <a:lin ang="5400000" scaled="0"/>
+        </a:gradFill>
+        <a:gradFill rotWithShape="1">
+          <a:gsLst>
+            <a:gs pos="0">
+              <a:schemeClr val="phClr">
+                <a:satMod val="103000"/>
+                <a:lumMod val="102000"/>
+                <a:tint val="94000"/>
+              </a:schemeClr>
+            </a:gs>
+            <a:gs pos="50000">
+              <a:schemeClr val="phClr">
+                <a:satMod val="110000"/>
+                <a:lumMod val="100000"/>
+                <a:shade val="100000"/>
+              </a:schemeClr>
+            </a:gs>
+            <a:gs pos="100000">
+              <a:schemeClr val="phClr">
+                <a:lumMod val="99000"/>
+                <a:satMod val="120000"/>
+                <a:shade val="78000"/>
+              </a:schemeClr>
+            </a:gs>
+          </a:gsLst>
+          <a:lin ang="5400000" scaled="0"/>
+        </a:gradFill>
+      </a:fillStyleLst>
+      <a:lnStyleLst>
+        <a:ln w="6350" cap="flat" cmpd="sng" algn="ctr">
+          <a:solidFill>
+            <a:schemeClr val="phClr"/>
+          </a:solidFill>
+          <a:prstDash val="solid"/>
+          <a:miter lim="800000"/>
+        </a:ln>
+        <a:ln w="12700" cap="flat" cmpd="sng" algn="ctr">
+          <a:solidFill>
+            <a:schemeClr val="phClr"/>
+          </a:solidFill>
+          <a:prstDash val="solid"/>
+          <a:miter lim="800000"/>
+        </a:ln>
+        <a:ln w="19050" cap="flat" cmpd="sng" algn="ctr">
+          <a:solidFill>
+            <a:schemeClr val="phClr"/>
+          </a:solidFill>
+          <a:prstDash val="solid"/>
+          <a:miter lim="800000"/>
+        </a:ln>
+      </a:lnStyleLst>
+      <a:effectStyleLst>
+        <a:effectStyle>
+          <a:effectLst/>
+        </a:effectStyle>
+        <a:effectStyle>
+          <a:effectLst/>
+        </a:effectStyle>
+        <a:effectStyle>
+          <a:effectLst>
+            <a:outerShdw blurRad="57150" dist="19050" dir="5400000" algn="ctr" rotWithShape="0">
+              <a:srgbClr val="000000">
+                <a:alpha val="63000"/>
+              </a:srgbClr>
+            </a:outerShdw>
+          </a:effectLst>
+        </a:effectStyle>
+      </a:effectStyleLst>
+      <a:bgFillStyleLst>
+        <a:solidFill>
+          <a:schemeClr val="phClr"/>
+        </a:solidFill>
+        <a:solidFill>
+          <a:schemeClr val="phClr">
+            <a:tint val="95000"/>
+            <a:satMod val="170000"/>
+          </a:schemeClr>
+        </a:solidFill>
+        <a:gradFill rotWithShape="1">
+          <a:gsLst>
+            <a:gs pos="0">
+              <a:schemeClr val="phClr">
+                <a:tint val="93000"/>
+                <a:satMod val="150000"/>
+                <a:shade val="98000"/>
+                <a:lumMod val="102000"/>
+              </a:schemeClr>
+            </a:gs>
+            <a:gs pos="50000">
+              <a:schemeClr val="phClr">
+                <a:tint val="98000"/>
+                <a:satMod val="130000"/>
+                <a:shade val="90000"/>
+                <a:lumMod val="103000"/>
+              </a:schemeClr>
+            </a:gs>
+            <a:gs pos="100000">
+              <a:schemeClr val="phClr">
+                <a:shade val="63000"/>
+                <a:satMod val="120000"/>
+              </a:schemeClr>
+            </a:gs>
+          </a:gsLst>
+          <a:lin ang="5400000" scaled="0"/>
+        </a:gradFill>
+      </a:bgFillStyleLst>
+    </a:fmtScheme>
+  </a:themeElements>
+  <a:objectDefaults/>
+  <a:extraClrSchemeLst/>
+  <a:extLst>
+    <a:ext uri="{05A4C25C-085E-4340-85A3-A5531E510DB2}">
+      <thm15:themeFamily xmlns:thm15="http://schemas.microsoft.com/office/thememl/2012/main" name="Office Theme" id="{62F939B6-93AF-4DB8-9C6B-D6C7DFDC589F}" vid="{4A3C46E8-61CC-4603-A589-7422A47A8E4A}"/>
+    </a:ext>
+  </a:extLst>
+</a:theme>
 </file>